--- a/blueprint/프레젠테이션1.pptx
+++ b/blueprint/프레젠테이션1.pptx
@@ -4,11 +4,15 @@
   <p:sldMasterIdLst>
     <p:sldMasterId id="2147483648" r:id="rId1"/>
   </p:sldMasterIdLst>
+  <p:notesMasterIdLst>
+    <p:notesMasterId r:id="rId7"/>
+  </p:notesMasterIdLst>
   <p:sldIdLst>
     <p:sldId id="256" r:id="rId2"/>
-    <p:sldId id="258" r:id="rId3"/>
-    <p:sldId id="260" r:id="rId4"/>
-    <p:sldId id="259" r:id="rId5"/>
+    <p:sldId id="262" r:id="rId3"/>
+    <p:sldId id="261" r:id="rId4"/>
+    <p:sldId id="260" r:id="rId5"/>
+    <p:sldId id="259" r:id="rId6"/>
   </p:sldIdLst>
   <p:sldSz cx="12192000" cy="6858000"/>
   <p:notesSz cx="6858000" cy="9144000"/>
@@ -113,6 +117,775 @@
     </p:ext>
   </p:extLst>
 </p:presentation>
+</file>
+
+<file path=ppt/notesMasters/notesMaster1.xml><?xml version="1.0" encoding="utf-8"?>
+<p:notesMaster xmlns:a="http://schemas.openxmlformats.org/drawingml/2006/main" xmlns:r="http://schemas.openxmlformats.org/officeDocument/2006/relationships" xmlns:p="http://schemas.openxmlformats.org/presentationml/2006/main">
+  <p:cSld>
+    <p:bg>
+      <p:bgRef idx="1001">
+        <a:schemeClr val="bg1"/>
+      </p:bgRef>
+    </p:bg>
+    <p:spTree>
+      <p:nvGrpSpPr>
+        <p:cNvPr id="1" name=""/>
+        <p:cNvGrpSpPr/>
+        <p:nvPr/>
+      </p:nvGrpSpPr>
+      <p:grpSpPr>
+        <a:xfrm>
+          <a:off x="0" y="0"/>
+          <a:ext cx="0" cy="0"/>
+          <a:chOff x="0" y="0"/>
+          <a:chExt cx="0" cy="0"/>
+        </a:xfrm>
+      </p:grpSpPr>
+      <p:sp>
+        <p:nvSpPr>
+          <p:cNvPr id="2" name="머리글 개체 틀 1"/>
+          <p:cNvSpPr>
+            <a:spLocks noGrp="1"/>
+          </p:cNvSpPr>
+          <p:nvPr>
+            <p:ph type="hdr" sz="quarter"/>
+          </p:nvPr>
+        </p:nvSpPr>
+        <p:spPr>
+          <a:xfrm>
+            <a:off x="0" y="0"/>
+            <a:ext cx="2971800" cy="458788"/>
+          </a:xfrm>
+          <a:prstGeom prst="rect">
+            <a:avLst/>
+          </a:prstGeom>
+        </p:spPr>
+        <p:txBody>
+          <a:bodyPr vert="horz" lIns="91440" tIns="45720" rIns="91440" bIns="45720" rtlCol="0"/>
+          <a:lstStyle>
+            <a:lvl1pPr algn="l">
+              <a:defRPr sz="1200"/>
+            </a:lvl1pPr>
+          </a:lstStyle>
+          <a:p>
+            <a:endParaRPr lang="ko-KR" altLang="en-US"/>
+          </a:p>
+        </p:txBody>
+      </p:sp>
+      <p:sp>
+        <p:nvSpPr>
+          <p:cNvPr id="3" name="날짜 개체 틀 2"/>
+          <p:cNvSpPr>
+            <a:spLocks noGrp="1"/>
+          </p:cNvSpPr>
+          <p:nvPr>
+            <p:ph type="dt" idx="1"/>
+          </p:nvPr>
+        </p:nvSpPr>
+        <p:spPr>
+          <a:xfrm>
+            <a:off x="3884613" y="0"/>
+            <a:ext cx="2971800" cy="458788"/>
+          </a:xfrm>
+          <a:prstGeom prst="rect">
+            <a:avLst/>
+          </a:prstGeom>
+        </p:spPr>
+        <p:txBody>
+          <a:bodyPr vert="horz" lIns="91440" tIns="45720" rIns="91440" bIns="45720" rtlCol="0"/>
+          <a:lstStyle>
+            <a:lvl1pPr algn="r">
+              <a:defRPr sz="1200"/>
+            </a:lvl1pPr>
+          </a:lstStyle>
+          <a:p>
+            <a:fld id="{88D4D1C2-B2EF-4185-B81C-0F06E87047AA}" type="datetimeFigureOut">
+              <a:rPr lang="ko-KR" altLang="en-US" smtClean="0"/>
+              <a:t>2024-11-15</a:t>
+            </a:fld>
+            <a:endParaRPr lang="ko-KR" altLang="en-US"/>
+          </a:p>
+        </p:txBody>
+      </p:sp>
+      <p:sp>
+        <p:nvSpPr>
+          <p:cNvPr id="4" name="슬라이드 이미지 개체 틀 3"/>
+          <p:cNvSpPr>
+            <a:spLocks noGrp="1" noRot="1" noChangeAspect="1"/>
+          </p:cNvSpPr>
+          <p:nvPr>
+            <p:ph type="sldImg" idx="2"/>
+          </p:nvPr>
+        </p:nvSpPr>
+        <p:spPr>
+          <a:xfrm>
+            <a:off x="685800" y="1143000"/>
+            <a:ext cx="5486400" cy="3086100"/>
+          </a:xfrm>
+          <a:prstGeom prst="rect">
+            <a:avLst/>
+          </a:prstGeom>
+          <a:noFill/>
+          <a:ln w="12700">
+            <a:solidFill>
+              <a:prstClr val="black"/>
+            </a:solidFill>
+          </a:ln>
+        </p:spPr>
+        <p:txBody>
+          <a:bodyPr vert="horz" lIns="91440" tIns="45720" rIns="91440" bIns="45720" rtlCol="0" anchor="ctr"/>
+          <a:lstStyle/>
+          <a:p>
+            <a:endParaRPr lang="ko-KR" altLang="en-US"/>
+          </a:p>
+        </p:txBody>
+      </p:sp>
+      <p:sp>
+        <p:nvSpPr>
+          <p:cNvPr id="5" name="슬라이드 노트 개체 틀 4"/>
+          <p:cNvSpPr>
+            <a:spLocks noGrp="1"/>
+          </p:cNvSpPr>
+          <p:nvPr>
+            <p:ph type="body" sz="quarter" idx="3"/>
+          </p:nvPr>
+        </p:nvSpPr>
+        <p:spPr>
+          <a:xfrm>
+            <a:off x="685800" y="4400550"/>
+            <a:ext cx="5486400" cy="3600450"/>
+          </a:xfrm>
+          <a:prstGeom prst="rect">
+            <a:avLst/>
+          </a:prstGeom>
+        </p:spPr>
+        <p:txBody>
+          <a:bodyPr vert="horz" lIns="91440" tIns="45720" rIns="91440" bIns="45720" rtlCol="0"/>
+          <a:lstStyle/>
+          <a:p>
+            <a:pPr lvl="0"/>
+            <a:r>
+              <a:rPr lang="ko-KR" altLang="en-US"/>
+              <a:t>마스터 텍스트 스타일을 편집하려면 클릭</a:t>
+            </a:r>
+          </a:p>
+          <a:p>
+            <a:pPr lvl="1"/>
+            <a:r>
+              <a:rPr lang="ko-KR" altLang="en-US"/>
+              <a:t>두 번째 수준</a:t>
+            </a:r>
+          </a:p>
+          <a:p>
+            <a:pPr lvl="2"/>
+            <a:r>
+              <a:rPr lang="ko-KR" altLang="en-US"/>
+              <a:t>세 번째 수준</a:t>
+            </a:r>
+          </a:p>
+          <a:p>
+            <a:pPr lvl="3"/>
+            <a:r>
+              <a:rPr lang="ko-KR" altLang="en-US"/>
+              <a:t>네 번째 수준</a:t>
+            </a:r>
+          </a:p>
+          <a:p>
+            <a:pPr lvl="4"/>
+            <a:r>
+              <a:rPr lang="ko-KR" altLang="en-US"/>
+              <a:t>다섯 번째 수준</a:t>
+            </a:r>
+          </a:p>
+        </p:txBody>
+      </p:sp>
+      <p:sp>
+        <p:nvSpPr>
+          <p:cNvPr id="6" name="바닥글 개체 틀 5"/>
+          <p:cNvSpPr>
+            <a:spLocks noGrp="1"/>
+          </p:cNvSpPr>
+          <p:nvPr>
+            <p:ph type="ftr" sz="quarter" idx="4"/>
+          </p:nvPr>
+        </p:nvSpPr>
+        <p:spPr>
+          <a:xfrm>
+            <a:off x="0" y="8685213"/>
+            <a:ext cx="2971800" cy="458787"/>
+          </a:xfrm>
+          <a:prstGeom prst="rect">
+            <a:avLst/>
+          </a:prstGeom>
+        </p:spPr>
+        <p:txBody>
+          <a:bodyPr vert="horz" lIns="91440" tIns="45720" rIns="91440" bIns="45720" rtlCol="0" anchor="b"/>
+          <a:lstStyle>
+            <a:lvl1pPr algn="l">
+              <a:defRPr sz="1200"/>
+            </a:lvl1pPr>
+          </a:lstStyle>
+          <a:p>
+            <a:endParaRPr lang="ko-KR" altLang="en-US"/>
+          </a:p>
+        </p:txBody>
+      </p:sp>
+      <p:sp>
+        <p:nvSpPr>
+          <p:cNvPr id="7" name="슬라이드 번호 개체 틀 6"/>
+          <p:cNvSpPr>
+            <a:spLocks noGrp="1"/>
+          </p:cNvSpPr>
+          <p:nvPr>
+            <p:ph type="sldNum" sz="quarter" idx="5"/>
+          </p:nvPr>
+        </p:nvSpPr>
+        <p:spPr>
+          <a:xfrm>
+            <a:off x="3884613" y="8685213"/>
+            <a:ext cx="2971800" cy="458787"/>
+          </a:xfrm>
+          <a:prstGeom prst="rect">
+            <a:avLst/>
+          </a:prstGeom>
+        </p:spPr>
+        <p:txBody>
+          <a:bodyPr vert="horz" lIns="91440" tIns="45720" rIns="91440" bIns="45720" rtlCol="0" anchor="b"/>
+          <a:lstStyle>
+            <a:lvl1pPr algn="r">
+              <a:defRPr sz="1200"/>
+            </a:lvl1pPr>
+          </a:lstStyle>
+          <a:p>
+            <a:fld id="{E035D34E-325B-4A85-82E2-988C92128A74}" type="slidenum">
+              <a:rPr lang="ko-KR" altLang="en-US" smtClean="0"/>
+              <a:t>‹#›</a:t>
+            </a:fld>
+            <a:endParaRPr lang="ko-KR" altLang="en-US"/>
+          </a:p>
+        </p:txBody>
+      </p:sp>
+    </p:spTree>
+    <p:extLst>
+      <p:ext uri="{BB962C8B-B14F-4D97-AF65-F5344CB8AC3E}">
+        <p14:creationId xmlns:p14="http://schemas.microsoft.com/office/powerpoint/2010/main" val="4000537396"/>
+      </p:ext>
+    </p:extLst>
+  </p:cSld>
+  <p:clrMap bg1="lt1" tx1="dk1" bg2="lt2" tx2="dk2" accent1="accent1" accent2="accent2" accent3="accent3" accent4="accent4" accent5="accent5" accent6="accent6" hlink="hlink" folHlink="folHlink"/>
+  <p:notesStyle>
+    <a:lvl1pPr marL="0" algn="l" defTabSz="914400" rtl="0" eaLnBrk="1" latinLnBrk="1" hangingPunct="1">
+      <a:defRPr sz="1200" kern="1200">
+        <a:solidFill>
+          <a:schemeClr val="tx1"/>
+        </a:solidFill>
+        <a:latin typeface="+mn-lt"/>
+        <a:ea typeface="+mn-ea"/>
+        <a:cs typeface="+mn-cs"/>
+      </a:defRPr>
+    </a:lvl1pPr>
+    <a:lvl2pPr marL="457200" algn="l" defTabSz="914400" rtl="0" eaLnBrk="1" latinLnBrk="1" hangingPunct="1">
+      <a:defRPr sz="1200" kern="1200">
+        <a:solidFill>
+          <a:schemeClr val="tx1"/>
+        </a:solidFill>
+        <a:latin typeface="+mn-lt"/>
+        <a:ea typeface="+mn-ea"/>
+        <a:cs typeface="+mn-cs"/>
+      </a:defRPr>
+    </a:lvl2pPr>
+    <a:lvl3pPr marL="914400" algn="l" defTabSz="914400" rtl="0" eaLnBrk="1" latinLnBrk="1" hangingPunct="1">
+      <a:defRPr sz="1200" kern="1200">
+        <a:solidFill>
+          <a:schemeClr val="tx1"/>
+        </a:solidFill>
+        <a:latin typeface="+mn-lt"/>
+        <a:ea typeface="+mn-ea"/>
+        <a:cs typeface="+mn-cs"/>
+      </a:defRPr>
+    </a:lvl3pPr>
+    <a:lvl4pPr marL="1371600" algn="l" defTabSz="914400" rtl="0" eaLnBrk="1" latinLnBrk="1" hangingPunct="1">
+      <a:defRPr sz="1200" kern="1200">
+        <a:solidFill>
+          <a:schemeClr val="tx1"/>
+        </a:solidFill>
+        <a:latin typeface="+mn-lt"/>
+        <a:ea typeface="+mn-ea"/>
+        <a:cs typeface="+mn-cs"/>
+      </a:defRPr>
+    </a:lvl4pPr>
+    <a:lvl5pPr marL="1828800" algn="l" defTabSz="914400" rtl="0" eaLnBrk="1" latinLnBrk="1" hangingPunct="1">
+      <a:defRPr sz="1200" kern="1200">
+        <a:solidFill>
+          <a:schemeClr val="tx1"/>
+        </a:solidFill>
+        <a:latin typeface="+mn-lt"/>
+        <a:ea typeface="+mn-ea"/>
+        <a:cs typeface="+mn-cs"/>
+      </a:defRPr>
+    </a:lvl5pPr>
+    <a:lvl6pPr marL="2286000" algn="l" defTabSz="914400" rtl="0" eaLnBrk="1" latinLnBrk="1" hangingPunct="1">
+      <a:defRPr sz="1200" kern="1200">
+        <a:solidFill>
+          <a:schemeClr val="tx1"/>
+        </a:solidFill>
+        <a:latin typeface="+mn-lt"/>
+        <a:ea typeface="+mn-ea"/>
+        <a:cs typeface="+mn-cs"/>
+      </a:defRPr>
+    </a:lvl6pPr>
+    <a:lvl7pPr marL="2743200" algn="l" defTabSz="914400" rtl="0" eaLnBrk="1" latinLnBrk="1" hangingPunct="1">
+      <a:defRPr sz="1200" kern="1200">
+        <a:solidFill>
+          <a:schemeClr val="tx1"/>
+        </a:solidFill>
+        <a:latin typeface="+mn-lt"/>
+        <a:ea typeface="+mn-ea"/>
+        <a:cs typeface="+mn-cs"/>
+      </a:defRPr>
+    </a:lvl7pPr>
+    <a:lvl8pPr marL="3200400" algn="l" defTabSz="914400" rtl="0" eaLnBrk="1" latinLnBrk="1" hangingPunct="1">
+      <a:defRPr sz="1200" kern="1200">
+        <a:solidFill>
+          <a:schemeClr val="tx1"/>
+        </a:solidFill>
+        <a:latin typeface="+mn-lt"/>
+        <a:ea typeface="+mn-ea"/>
+        <a:cs typeface="+mn-cs"/>
+      </a:defRPr>
+    </a:lvl8pPr>
+    <a:lvl9pPr marL="3657600" algn="l" defTabSz="914400" rtl="0" eaLnBrk="1" latinLnBrk="1" hangingPunct="1">
+      <a:defRPr sz="1200" kern="1200">
+        <a:solidFill>
+          <a:schemeClr val="tx1"/>
+        </a:solidFill>
+        <a:latin typeface="+mn-lt"/>
+        <a:ea typeface="+mn-ea"/>
+        <a:cs typeface="+mn-cs"/>
+      </a:defRPr>
+    </a:lvl9pPr>
+  </p:notesStyle>
+</p:notesMaster>
+</file>
+
+<file path=ppt/notesSlides/notesSlide1.xml><?xml version="1.0" encoding="utf-8"?>
+<p:notes xmlns:a="http://schemas.openxmlformats.org/drawingml/2006/main" xmlns:r="http://schemas.openxmlformats.org/officeDocument/2006/relationships" xmlns:p="http://schemas.openxmlformats.org/presentationml/2006/main">
+  <p:cSld>
+    <p:spTree>
+      <p:nvGrpSpPr>
+        <p:cNvPr id="1" name=""/>
+        <p:cNvGrpSpPr/>
+        <p:nvPr/>
+      </p:nvGrpSpPr>
+      <p:grpSpPr>
+        <a:xfrm>
+          <a:off x="0" y="0"/>
+          <a:ext cx="0" cy="0"/>
+          <a:chOff x="0" y="0"/>
+          <a:chExt cx="0" cy="0"/>
+        </a:xfrm>
+      </p:grpSpPr>
+      <p:sp>
+        <p:nvSpPr>
+          <p:cNvPr id="2" name="슬라이드 이미지 개체 틀 1"/>
+          <p:cNvSpPr>
+            <a:spLocks noGrp="1" noRot="1" noChangeAspect="1"/>
+          </p:cNvSpPr>
+          <p:nvPr>
+            <p:ph type="sldImg"/>
+          </p:nvPr>
+        </p:nvSpPr>
+        <p:spPr/>
+      </p:sp>
+      <p:sp>
+        <p:nvSpPr>
+          <p:cNvPr id="3" name="슬라이드 노트 개체 틀 2"/>
+          <p:cNvSpPr>
+            <a:spLocks noGrp="1"/>
+          </p:cNvSpPr>
+          <p:nvPr>
+            <p:ph type="body" idx="1"/>
+          </p:nvPr>
+        </p:nvSpPr>
+        <p:spPr/>
+        <p:txBody>
+          <a:bodyPr/>
+          <a:lstStyle/>
+          <a:p>
+            <a:endParaRPr lang="ko-KR" altLang="en-US"/>
+          </a:p>
+        </p:txBody>
+      </p:sp>
+      <p:sp>
+        <p:nvSpPr>
+          <p:cNvPr id="4" name="슬라이드 번호 개체 틀 3"/>
+          <p:cNvSpPr>
+            <a:spLocks noGrp="1"/>
+          </p:cNvSpPr>
+          <p:nvPr>
+            <p:ph type="sldNum" sz="quarter" idx="5"/>
+          </p:nvPr>
+        </p:nvSpPr>
+        <p:spPr/>
+        <p:txBody>
+          <a:bodyPr/>
+          <a:lstStyle/>
+          <a:p>
+            <a:fld id="{E035D34E-325B-4A85-82E2-988C92128A74}" type="slidenum">
+              <a:rPr lang="ko-KR" altLang="en-US" smtClean="0"/>
+              <a:t>1</a:t>
+            </a:fld>
+            <a:endParaRPr lang="ko-KR" altLang="en-US"/>
+          </a:p>
+        </p:txBody>
+      </p:sp>
+    </p:spTree>
+    <p:extLst>
+      <p:ext uri="{BB962C8B-B14F-4D97-AF65-F5344CB8AC3E}">
+        <p14:creationId xmlns:p14="http://schemas.microsoft.com/office/powerpoint/2010/main" val="1606089877"/>
+      </p:ext>
+    </p:extLst>
+  </p:cSld>
+  <p:clrMapOvr>
+    <a:masterClrMapping/>
+  </p:clrMapOvr>
+</p:notes>
+</file>
+
+<file path=ppt/notesSlides/notesSlide2.xml><?xml version="1.0" encoding="utf-8"?>
+<p:notes xmlns:a="http://schemas.openxmlformats.org/drawingml/2006/main" xmlns:r="http://schemas.openxmlformats.org/officeDocument/2006/relationships" xmlns:p="http://schemas.openxmlformats.org/presentationml/2006/main">
+  <p:cSld>
+    <p:spTree>
+      <p:nvGrpSpPr>
+        <p:cNvPr id="1" name=""/>
+        <p:cNvGrpSpPr/>
+        <p:nvPr/>
+      </p:nvGrpSpPr>
+      <p:grpSpPr>
+        <a:xfrm>
+          <a:off x="0" y="0"/>
+          <a:ext cx="0" cy="0"/>
+          <a:chOff x="0" y="0"/>
+          <a:chExt cx="0" cy="0"/>
+        </a:xfrm>
+      </p:grpSpPr>
+      <p:sp>
+        <p:nvSpPr>
+          <p:cNvPr id="2" name="슬라이드 이미지 개체 틀 1"/>
+          <p:cNvSpPr>
+            <a:spLocks noGrp="1" noRot="1" noChangeAspect="1"/>
+          </p:cNvSpPr>
+          <p:nvPr>
+            <p:ph type="sldImg"/>
+          </p:nvPr>
+        </p:nvSpPr>
+        <p:spPr/>
+      </p:sp>
+      <p:sp>
+        <p:nvSpPr>
+          <p:cNvPr id="3" name="슬라이드 노트 개체 틀 2"/>
+          <p:cNvSpPr>
+            <a:spLocks noGrp="1"/>
+          </p:cNvSpPr>
+          <p:nvPr>
+            <p:ph type="body" idx="1"/>
+          </p:nvPr>
+        </p:nvSpPr>
+        <p:spPr/>
+        <p:txBody>
+          <a:bodyPr/>
+          <a:lstStyle/>
+          <a:p>
+            <a:endParaRPr lang="ko-KR" altLang="en-US"/>
+          </a:p>
+        </p:txBody>
+      </p:sp>
+      <p:sp>
+        <p:nvSpPr>
+          <p:cNvPr id="4" name="슬라이드 번호 개체 틀 3"/>
+          <p:cNvSpPr>
+            <a:spLocks noGrp="1"/>
+          </p:cNvSpPr>
+          <p:nvPr>
+            <p:ph type="sldNum" sz="quarter" idx="5"/>
+          </p:nvPr>
+        </p:nvSpPr>
+        <p:spPr/>
+        <p:txBody>
+          <a:bodyPr/>
+          <a:lstStyle/>
+          <a:p>
+            <a:fld id="{E035D34E-325B-4A85-82E2-988C92128A74}" type="slidenum">
+              <a:rPr lang="ko-KR" altLang="en-US" smtClean="0"/>
+              <a:t>2</a:t>
+            </a:fld>
+            <a:endParaRPr lang="ko-KR" altLang="en-US"/>
+          </a:p>
+        </p:txBody>
+      </p:sp>
+    </p:spTree>
+    <p:extLst>
+      <p:ext uri="{BB962C8B-B14F-4D97-AF65-F5344CB8AC3E}">
+        <p14:creationId xmlns:p14="http://schemas.microsoft.com/office/powerpoint/2010/main" val="2937692763"/>
+      </p:ext>
+    </p:extLst>
+  </p:cSld>
+  <p:clrMapOvr>
+    <a:masterClrMapping/>
+  </p:clrMapOvr>
+</p:notes>
+</file>
+
+<file path=ppt/notesSlides/notesSlide3.xml><?xml version="1.0" encoding="utf-8"?>
+<p:notes xmlns:a="http://schemas.openxmlformats.org/drawingml/2006/main" xmlns:r="http://schemas.openxmlformats.org/officeDocument/2006/relationships" xmlns:p="http://schemas.openxmlformats.org/presentationml/2006/main">
+  <p:cSld>
+    <p:spTree>
+      <p:nvGrpSpPr>
+        <p:cNvPr id="1" name=""/>
+        <p:cNvGrpSpPr/>
+        <p:nvPr/>
+      </p:nvGrpSpPr>
+      <p:grpSpPr>
+        <a:xfrm>
+          <a:off x="0" y="0"/>
+          <a:ext cx="0" cy="0"/>
+          <a:chOff x="0" y="0"/>
+          <a:chExt cx="0" cy="0"/>
+        </a:xfrm>
+      </p:grpSpPr>
+      <p:sp>
+        <p:nvSpPr>
+          <p:cNvPr id="2" name="슬라이드 이미지 개체 틀 1"/>
+          <p:cNvSpPr>
+            <a:spLocks noGrp="1" noRot="1" noChangeAspect="1"/>
+          </p:cNvSpPr>
+          <p:nvPr>
+            <p:ph type="sldImg"/>
+          </p:nvPr>
+        </p:nvSpPr>
+        <p:spPr/>
+      </p:sp>
+      <p:sp>
+        <p:nvSpPr>
+          <p:cNvPr id="3" name="슬라이드 노트 개체 틀 2"/>
+          <p:cNvSpPr>
+            <a:spLocks noGrp="1"/>
+          </p:cNvSpPr>
+          <p:nvPr>
+            <p:ph type="body" idx="1"/>
+          </p:nvPr>
+        </p:nvSpPr>
+        <p:spPr/>
+        <p:txBody>
+          <a:bodyPr/>
+          <a:lstStyle/>
+          <a:p>
+            <a:endParaRPr lang="ko-KR" altLang="en-US"/>
+          </a:p>
+        </p:txBody>
+      </p:sp>
+      <p:sp>
+        <p:nvSpPr>
+          <p:cNvPr id="4" name="슬라이드 번호 개체 틀 3"/>
+          <p:cNvSpPr>
+            <a:spLocks noGrp="1"/>
+          </p:cNvSpPr>
+          <p:nvPr>
+            <p:ph type="sldNum" sz="quarter" idx="5"/>
+          </p:nvPr>
+        </p:nvSpPr>
+        <p:spPr/>
+        <p:txBody>
+          <a:bodyPr/>
+          <a:lstStyle/>
+          <a:p>
+            <a:fld id="{E035D34E-325B-4A85-82E2-988C92128A74}" type="slidenum">
+              <a:rPr lang="ko-KR" altLang="en-US" smtClean="0"/>
+              <a:t>3</a:t>
+            </a:fld>
+            <a:endParaRPr lang="ko-KR" altLang="en-US"/>
+          </a:p>
+        </p:txBody>
+      </p:sp>
+    </p:spTree>
+    <p:extLst>
+      <p:ext uri="{BB962C8B-B14F-4D97-AF65-F5344CB8AC3E}">
+        <p14:creationId xmlns:p14="http://schemas.microsoft.com/office/powerpoint/2010/main" val="573122497"/>
+      </p:ext>
+    </p:extLst>
+  </p:cSld>
+  <p:clrMapOvr>
+    <a:masterClrMapping/>
+  </p:clrMapOvr>
+</p:notes>
+</file>
+
+<file path=ppt/notesSlides/notesSlide4.xml><?xml version="1.0" encoding="utf-8"?>
+<p:notes xmlns:a="http://schemas.openxmlformats.org/drawingml/2006/main" xmlns:r="http://schemas.openxmlformats.org/officeDocument/2006/relationships" xmlns:p="http://schemas.openxmlformats.org/presentationml/2006/main">
+  <p:cSld>
+    <p:spTree>
+      <p:nvGrpSpPr>
+        <p:cNvPr id="1" name=""/>
+        <p:cNvGrpSpPr/>
+        <p:nvPr/>
+      </p:nvGrpSpPr>
+      <p:grpSpPr>
+        <a:xfrm>
+          <a:off x="0" y="0"/>
+          <a:ext cx="0" cy="0"/>
+          <a:chOff x="0" y="0"/>
+          <a:chExt cx="0" cy="0"/>
+        </a:xfrm>
+      </p:grpSpPr>
+      <p:sp>
+        <p:nvSpPr>
+          <p:cNvPr id="2" name="슬라이드 이미지 개체 틀 1"/>
+          <p:cNvSpPr>
+            <a:spLocks noGrp="1" noRot="1" noChangeAspect="1"/>
+          </p:cNvSpPr>
+          <p:nvPr>
+            <p:ph type="sldImg"/>
+          </p:nvPr>
+        </p:nvSpPr>
+        <p:spPr/>
+      </p:sp>
+      <p:sp>
+        <p:nvSpPr>
+          <p:cNvPr id="3" name="슬라이드 노트 개체 틀 2"/>
+          <p:cNvSpPr>
+            <a:spLocks noGrp="1"/>
+          </p:cNvSpPr>
+          <p:nvPr>
+            <p:ph type="body" idx="1"/>
+          </p:nvPr>
+        </p:nvSpPr>
+        <p:spPr/>
+        <p:txBody>
+          <a:bodyPr/>
+          <a:lstStyle/>
+          <a:p>
+            <a:endParaRPr lang="ko-KR" altLang="en-US"/>
+          </a:p>
+        </p:txBody>
+      </p:sp>
+      <p:sp>
+        <p:nvSpPr>
+          <p:cNvPr id="4" name="슬라이드 번호 개체 틀 3"/>
+          <p:cNvSpPr>
+            <a:spLocks noGrp="1"/>
+          </p:cNvSpPr>
+          <p:nvPr>
+            <p:ph type="sldNum" sz="quarter" idx="5"/>
+          </p:nvPr>
+        </p:nvSpPr>
+        <p:spPr/>
+        <p:txBody>
+          <a:bodyPr/>
+          <a:lstStyle/>
+          <a:p>
+            <a:fld id="{E035D34E-325B-4A85-82E2-988C92128A74}" type="slidenum">
+              <a:rPr lang="ko-KR" altLang="en-US" smtClean="0"/>
+              <a:t>4</a:t>
+            </a:fld>
+            <a:endParaRPr lang="ko-KR" altLang="en-US"/>
+          </a:p>
+        </p:txBody>
+      </p:sp>
+    </p:spTree>
+    <p:extLst>
+      <p:ext uri="{BB962C8B-B14F-4D97-AF65-F5344CB8AC3E}">
+        <p14:creationId xmlns:p14="http://schemas.microsoft.com/office/powerpoint/2010/main" val="50154979"/>
+      </p:ext>
+    </p:extLst>
+  </p:cSld>
+  <p:clrMapOvr>
+    <a:masterClrMapping/>
+  </p:clrMapOvr>
+</p:notes>
+</file>
+
+<file path=ppt/notesSlides/notesSlide5.xml><?xml version="1.0" encoding="utf-8"?>
+<p:notes xmlns:a="http://schemas.openxmlformats.org/drawingml/2006/main" xmlns:r="http://schemas.openxmlformats.org/officeDocument/2006/relationships" xmlns:p="http://schemas.openxmlformats.org/presentationml/2006/main">
+  <p:cSld>
+    <p:spTree>
+      <p:nvGrpSpPr>
+        <p:cNvPr id="1" name=""/>
+        <p:cNvGrpSpPr/>
+        <p:nvPr/>
+      </p:nvGrpSpPr>
+      <p:grpSpPr>
+        <a:xfrm>
+          <a:off x="0" y="0"/>
+          <a:ext cx="0" cy="0"/>
+          <a:chOff x="0" y="0"/>
+          <a:chExt cx="0" cy="0"/>
+        </a:xfrm>
+      </p:grpSpPr>
+      <p:sp>
+        <p:nvSpPr>
+          <p:cNvPr id="2" name="슬라이드 이미지 개체 틀 1"/>
+          <p:cNvSpPr>
+            <a:spLocks noGrp="1" noRot="1" noChangeAspect="1"/>
+          </p:cNvSpPr>
+          <p:nvPr>
+            <p:ph type="sldImg"/>
+          </p:nvPr>
+        </p:nvSpPr>
+        <p:spPr/>
+      </p:sp>
+      <p:sp>
+        <p:nvSpPr>
+          <p:cNvPr id="3" name="슬라이드 노트 개체 틀 2"/>
+          <p:cNvSpPr>
+            <a:spLocks noGrp="1"/>
+          </p:cNvSpPr>
+          <p:nvPr>
+            <p:ph type="body" idx="1"/>
+          </p:nvPr>
+        </p:nvSpPr>
+        <p:spPr/>
+        <p:txBody>
+          <a:bodyPr/>
+          <a:lstStyle/>
+          <a:p>
+            <a:endParaRPr lang="ko-KR" altLang="en-US"/>
+          </a:p>
+        </p:txBody>
+      </p:sp>
+      <p:sp>
+        <p:nvSpPr>
+          <p:cNvPr id="4" name="슬라이드 번호 개체 틀 3"/>
+          <p:cNvSpPr>
+            <a:spLocks noGrp="1"/>
+          </p:cNvSpPr>
+          <p:nvPr>
+            <p:ph type="sldNum" sz="quarter" idx="5"/>
+          </p:nvPr>
+        </p:nvSpPr>
+        <p:spPr/>
+        <p:txBody>
+          <a:bodyPr/>
+          <a:lstStyle/>
+          <a:p>
+            <a:fld id="{E035D34E-325B-4A85-82E2-988C92128A74}" type="slidenum">
+              <a:rPr lang="ko-KR" altLang="en-US" smtClean="0"/>
+              <a:t>5</a:t>
+            </a:fld>
+            <a:endParaRPr lang="ko-KR" altLang="en-US"/>
+          </a:p>
+        </p:txBody>
+      </p:sp>
+    </p:spTree>
+    <p:extLst>
+      <p:ext uri="{BB962C8B-B14F-4D97-AF65-F5344CB8AC3E}">
+        <p14:creationId xmlns:p14="http://schemas.microsoft.com/office/powerpoint/2010/main" val="329463793"/>
+      </p:ext>
+    </p:extLst>
+  </p:cSld>
+  <p:clrMapOvr>
+    <a:masterClrMapping/>
+  </p:clrMapOvr>
+</p:notes>
 </file>
 
 <file path=ppt/slideLayouts/slideLayout1.xml><?xml version="1.0" encoding="utf-8"?>
@@ -3329,57 +4102,21 @@
           <a:chExt cx="0" cy="0"/>
         </a:xfrm>
       </p:grpSpPr>
-      <p:cxnSp>
-        <p:nvCxnSpPr>
-          <p:cNvPr id="7" name="직선 연결선 6">
-            <a:extLst>
-              <a:ext uri="{FF2B5EF4-FFF2-40B4-BE49-F238E27FC236}">
-                <a16:creationId xmlns:a16="http://schemas.microsoft.com/office/drawing/2014/main" id="{B0A42FEA-5068-DCA6-7C53-789894A3562E}"/>
-              </a:ext>
-            </a:extLst>
-          </p:cNvPr>
-          <p:cNvCxnSpPr/>
+      <p:sp>
+        <p:nvSpPr>
+          <p:cNvPr id="8" name="직사각형 7">
+            <a:extLst>
+              <a:ext uri="{FF2B5EF4-FFF2-40B4-BE49-F238E27FC236}">
+                <a16:creationId xmlns:a16="http://schemas.microsoft.com/office/drawing/2014/main" id="{12E5DE0F-6D20-6500-4CA7-963BE04B1520}"/>
+              </a:ext>
+            </a:extLst>
+          </p:cNvPr>
+          <p:cNvSpPr/>
           <p:nvPr/>
-        </p:nvCxnSpPr>
+        </p:nvSpPr>
         <p:spPr>
           <a:xfrm>
-            <a:off x="8654902" y="0"/>
-            <a:ext cx="0" cy="6858000"/>
-          </a:xfrm>
-          <a:prstGeom prst="line">
-            <a:avLst/>
-          </a:prstGeom>
-        </p:spPr>
-        <p:style>
-          <a:lnRef idx="2">
-            <a:schemeClr val="dk1"/>
-          </a:lnRef>
-          <a:fillRef idx="0">
-            <a:schemeClr val="dk1"/>
-          </a:fillRef>
-          <a:effectRef idx="1">
-            <a:schemeClr val="dk1"/>
-          </a:effectRef>
-          <a:fontRef idx="minor">
-            <a:schemeClr val="tx1"/>
-          </a:fontRef>
-        </p:style>
-      </p:cxnSp>
-      <p:sp>
-        <p:nvSpPr>
-          <p:cNvPr id="8" name="직사각형 7">
-            <a:extLst>
-              <a:ext uri="{FF2B5EF4-FFF2-40B4-BE49-F238E27FC236}">
-                <a16:creationId xmlns:a16="http://schemas.microsoft.com/office/drawing/2014/main" id="{12E5DE0F-6D20-6500-4CA7-963BE04B1520}"/>
-              </a:ext>
-            </a:extLst>
-          </p:cNvPr>
-          <p:cNvSpPr/>
-          <p:nvPr/>
-        </p:nvSpPr>
-        <p:spPr>
-          <a:xfrm>
-            <a:off x="3452037" y="180754"/>
+            <a:off x="5187195" y="201911"/>
             <a:ext cx="1630325" cy="308344"/>
           </a:xfrm>
           <a:prstGeom prst="rect">
@@ -3435,8 +4172,8 @@
         </p:nvSpPr>
         <p:spPr>
           <a:xfrm>
-            <a:off x="1397045" y="740525"/>
-            <a:ext cx="2434853" cy="2688475"/>
+            <a:off x="3314699" y="605118"/>
+            <a:ext cx="2499346" cy="3103152"/>
           </a:xfrm>
           <a:prstGeom prst="rect">
             <a:avLst/>
@@ -3477,7 +4214,7 @@
           </a:p>
           <a:p>
             <a:pPr algn="ctr"/>
-            <a:endParaRPr lang="en-US" altLang="ko-KR" dirty="0">
+            <a:endParaRPr lang="en-US" altLang="ko-KR" sz="1400" dirty="0">
               <a:solidFill>
                 <a:schemeClr val="accent3"/>
               </a:solidFill>
@@ -3486,45 +4223,101 @@
           <a:p>
             <a:pPr algn="ctr"/>
             <a:r>
-              <a:rPr lang="en-US" altLang="ko-KR" dirty="0" err="1"/>
-              <a:t>showText</a:t>
-            </a:r>
-            <a:r>
-              <a:rPr lang="en-US" altLang="ko-KR" dirty="0"/>
+              <a:rPr lang="en-US" altLang="ko-KR" sz="1400" dirty="0" err="1"/>
+              <a:t>showTextEditor</a:t>
+            </a:r>
+            <a:r>
+              <a:rPr lang="en-US" altLang="ko-KR" sz="1400" dirty="0"/>
               <a:t>(String)</a:t>
             </a:r>
           </a:p>
           <a:p>
             <a:pPr algn="ctr"/>
             <a:r>
-              <a:rPr lang="en-US" altLang="ko-KR" dirty="0" err="1"/>
-              <a:t>getText</a:t>
-            </a:r>
-            <a:r>
-              <a:rPr lang="en-US" altLang="ko-KR" dirty="0"/>
-              <a:t>()</a:t>
-            </a:r>
-          </a:p>
-          <a:p>
-            <a:pPr algn="ctr"/>
-            <a:r>
-              <a:rPr lang="en-US" altLang="ko-KR" dirty="0" err="1"/>
+              <a:rPr lang="en-US" altLang="ko-KR" sz="1400" dirty="0" err="1"/>
+              <a:t>getTextEditor</a:t>
+            </a:r>
+            <a:r>
+              <a:rPr lang="en-US" altLang="ko-KR" sz="1400" dirty="0"/>
+              <a:t>() : String</a:t>
+            </a:r>
+          </a:p>
+          <a:p>
+            <a:pPr algn="ctr"/>
+            <a:endParaRPr lang="en-US" altLang="ko-KR" sz="1400" dirty="0"/>
+          </a:p>
+          <a:p>
+            <a:pPr algn="ctr"/>
+            <a:r>
+              <a:rPr lang="en-US" altLang="ko-KR" sz="1400" dirty="0" err="1"/>
               <a:t>showResult</a:t>
             </a:r>
             <a:r>
-              <a:rPr lang="en-US" altLang="ko-KR" dirty="0"/>
-              <a:t>()</a:t>
-            </a:r>
-          </a:p>
-          <a:p>
-            <a:pPr algn="ctr"/>
-            <a:r>
-              <a:rPr lang="en-US" altLang="ko-KR" dirty="0" err="1"/>
+              <a:rPr lang="en-US" altLang="ko-KR" sz="1400" dirty="0"/>
+              <a:t>(String)</a:t>
+            </a:r>
+          </a:p>
+          <a:p>
+            <a:pPr algn="ctr"/>
+            <a:r>
+              <a:rPr lang="en-US" altLang="ko-KR" sz="1400" dirty="0" err="1"/>
               <a:t>getResult</a:t>
             </a:r>
             <a:r>
-              <a:rPr lang="en-US" altLang="ko-KR" dirty="0"/>
-              <a:t>()</a:t>
+              <a:rPr lang="en-US" altLang="ko-KR" sz="1400" dirty="0"/>
+              <a:t>() : String</a:t>
+            </a:r>
+          </a:p>
+          <a:p>
+            <a:pPr algn="ctr"/>
+            <a:endParaRPr lang="en-US" altLang="ko-KR" sz="1400" dirty="0"/>
+          </a:p>
+          <a:p>
+            <a:pPr algn="ctr"/>
+            <a:r>
+              <a:rPr lang="en-US" altLang="ko-KR" sz="1400" dirty="0" err="1"/>
+              <a:t>showOpenTextField</a:t>
+            </a:r>
+            <a:r>
+              <a:rPr lang="en-US" altLang="ko-KR" sz="1400" dirty="0"/>
+              <a:t>(String)</a:t>
+            </a:r>
+          </a:p>
+          <a:p>
+            <a:pPr algn="ctr"/>
+            <a:r>
+              <a:rPr lang="en-US" altLang="ko-KR" sz="1400" dirty="0" err="1"/>
+              <a:t>getOpenTextField</a:t>
+            </a:r>
+            <a:r>
+              <a:rPr lang="en-US" altLang="ko-KR" sz="1400" dirty="0"/>
+              <a:t>() : String</a:t>
+            </a:r>
+          </a:p>
+          <a:p>
+            <a:pPr algn="ctr"/>
+            <a:endParaRPr lang="en-US" altLang="ko-KR" sz="1400" dirty="0"/>
+          </a:p>
+          <a:p>
+            <a:pPr algn="ctr"/>
+            <a:r>
+              <a:rPr lang="en-US" altLang="ko-KR" sz="1400" dirty="0" err="1"/>
+              <a:t>ShowSaveTextField</a:t>
+            </a:r>
+            <a:r>
+              <a:rPr lang="en-US" altLang="ko-KR" sz="1400" dirty="0"/>
+              <a:t>(String)</a:t>
+            </a:r>
+          </a:p>
+          <a:p>
+            <a:pPr algn="ctr"/>
+            <a:r>
+              <a:rPr lang="en-US" altLang="ko-KR" sz="1400" dirty="0" err="1"/>
+              <a:t>getSaveTextField</a:t>
+            </a:r>
+            <a:r>
+              <a:rPr lang="en-US" altLang="ko-KR" sz="1400" dirty="0"/>
+              <a:t>() : String</a:t>
             </a:r>
           </a:p>
         </p:txBody>
@@ -3543,8 +4336,8 @@
         </p:nvSpPr>
         <p:spPr>
           <a:xfrm>
-            <a:off x="4472470" y="712381"/>
-            <a:ext cx="3820630" cy="2967745"/>
+            <a:off x="6377956" y="605118"/>
+            <a:ext cx="2893791" cy="3103152"/>
           </a:xfrm>
           <a:prstGeom prst="rect">
             <a:avLst/>
@@ -3712,146 +4505,6 @@
           </a:p>
         </p:txBody>
       </p:sp>
-      <p:sp>
-        <p:nvSpPr>
-          <p:cNvPr id="11" name="TextBox 10">
-            <a:extLst>
-              <a:ext uri="{FF2B5EF4-FFF2-40B4-BE49-F238E27FC236}">
-                <a16:creationId xmlns:a16="http://schemas.microsoft.com/office/drawing/2014/main" id="{51EB8653-8BE5-5C94-9AF8-F2A97D9F2B41}"/>
-              </a:ext>
-            </a:extLst>
-          </p:cNvPr>
-          <p:cNvSpPr txBox="1"/>
-          <p:nvPr/>
-        </p:nvSpPr>
-        <p:spPr>
-          <a:xfrm>
-            <a:off x="8654902" y="85060"/>
-            <a:ext cx="3537089" cy="646331"/>
-          </a:xfrm>
-          <a:prstGeom prst="rect">
-            <a:avLst/>
-          </a:prstGeom>
-          <a:noFill/>
-        </p:spPr>
-        <p:txBody>
-          <a:bodyPr wrap="square" rtlCol="0">
-            <a:spAutoFit/>
-          </a:bodyPr>
-          <a:lstStyle/>
-          <a:p>
-            <a:pPr algn="ctr"/>
-            <a:r>
-              <a:rPr lang="ko-KR" altLang="en-US" dirty="0"/>
-              <a:t>버튼 존재</a:t>
-            </a:r>
-            <a:endParaRPr lang="en-US" altLang="ko-KR" dirty="0"/>
-          </a:p>
-          <a:p>
-            <a:pPr algn="ctr"/>
-            <a:r>
-              <a:rPr lang="ko-KR" altLang="en-US" dirty="0"/>
-              <a:t>버튼 눌렀을 때</a:t>
-            </a:r>
-          </a:p>
-        </p:txBody>
-      </p:sp>
-      <p:sp>
-        <p:nvSpPr>
-          <p:cNvPr id="13" name="직사각형 12">
-            <a:extLst>
-              <a:ext uri="{FF2B5EF4-FFF2-40B4-BE49-F238E27FC236}">
-                <a16:creationId xmlns:a16="http://schemas.microsoft.com/office/drawing/2014/main" id="{958B8335-814D-E186-5B8F-123080F63BAD}"/>
-              </a:ext>
-            </a:extLst>
-          </p:cNvPr>
-          <p:cNvSpPr/>
-          <p:nvPr/>
-        </p:nvSpPr>
-        <p:spPr>
-          <a:xfrm>
-            <a:off x="4924458" y="3942968"/>
-            <a:ext cx="3491527" cy="1828800"/>
-          </a:xfrm>
-          <a:prstGeom prst="rect">
-            <a:avLst/>
-          </a:prstGeom>
-        </p:spPr>
-        <p:style>
-          <a:lnRef idx="2">
-            <a:schemeClr val="accent4"/>
-          </a:lnRef>
-          <a:fillRef idx="1">
-            <a:schemeClr val="lt1"/>
-          </a:fillRef>
-          <a:effectRef idx="0">
-            <a:schemeClr val="accent4"/>
-          </a:effectRef>
-          <a:fontRef idx="minor">
-            <a:schemeClr val="dk1"/>
-          </a:fontRef>
-        </p:style>
-        <p:txBody>
-          <a:bodyPr rtlCol="0" anchor="ctr"/>
-          <a:lstStyle/>
-          <a:p>
-            <a:pPr algn="ctr"/>
-            <a:r>
-              <a:rPr lang="en-US" altLang="ko-KR" dirty="0" err="1">
-                <a:solidFill>
-                  <a:schemeClr val="accent1"/>
-                </a:solidFill>
-              </a:rPr>
-              <a:t>MainPresenter</a:t>
-            </a:r>
-            <a:endParaRPr lang="en-US" altLang="ko-KR" dirty="0">
-              <a:solidFill>
-                <a:schemeClr val="accent1"/>
-              </a:solidFill>
-            </a:endParaRPr>
-          </a:p>
-          <a:p>
-            <a:pPr algn="ctr"/>
-            <a:endParaRPr lang="en-US" altLang="ko-KR" dirty="0">
-              <a:solidFill>
-                <a:schemeClr val="accent1"/>
-              </a:solidFill>
-            </a:endParaRPr>
-          </a:p>
-          <a:p>
-            <a:pPr algn="ctr"/>
-            <a:endParaRPr lang="en-US" altLang="ko-KR" dirty="0">
-              <a:solidFill>
-                <a:schemeClr val="accent1"/>
-              </a:solidFill>
-            </a:endParaRPr>
-          </a:p>
-          <a:p>
-            <a:pPr algn="ctr"/>
-            <a:endParaRPr lang="en-US" altLang="ko-KR" dirty="0">
-              <a:solidFill>
-                <a:schemeClr val="accent1"/>
-              </a:solidFill>
-            </a:endParaRPr>
-          </a:p>
-          <a:p>
-            <a:pPr algn="ctr"/>
-            <a:endParaRPr lang="en-US" altLang="ko-KR" dirty="0">
-              <a:solidFill>
-                <a:schemeClr val="accent1"/>
-              </a:solidFill>
-            </a:endParaRPr>
-          </a:p>
-          <a:p>
-            <a:pPr algn="ctr"/>
-            <a:endParaRPr lang="ko-KR" altLang="en-US" dirty="0">
-              <a:solidFill>
-                <a:schemeClr val="accent1"/>
-              </a:solidFill>
-            </a:endParaRPr>
-          </a:p>
-        </p:txBody>
-      </p:sp>
       <p:grpSp>
         <p:nvGrpSpPr>
           <p:cNvPr id="18" name="그룹 17">
@@ -3866,7 +4519,7 @@
         </p:nvGrpSpPr>
         <p:grpSpPr>
           <a:xfrm>
-            <a:off x="424163" y="3942968"/>
+            <a:off x="1433430" y="3977055"/>
             <a:ext cx="4380615" cy="2234549"/>
             <a:chOff x="595422" y="4272577"/>
             <a:chExt cx="4380615" cy="2234549"/>
@@ -4185,12 +4838,685 @@
           </p:txBody>
         </p:sp>
       </p:grpSp>
-      <p:sp>
-        <p:nvSpPr>
-          <p:cNvPr id="16" name="직사각형 15">
-            <a:extLst>
-              <a:ext uri="{FF2B5EF4-FFF2-40B4-BE49-F238E27FC236}">
-                <a16:creationId xmlns:a16="http://schemas.microsoft.com/office/drawing/2014/main" id="{D97AAAE1-A7EB-46ED-5281-F26A7088CE4B}"/>
+      <p:grpSp>
+        <p:nvGrpSpPr>
+          <p:cNvPr id="2" name="그룹 1">
+            <a:extLst>
+              <a:ext uri="{FF2B5EF4-FFF2-40B4-BE49-F238E27FC236}">
+                <a16:creationId xmlns:a16="http://schemas.microsoft.com/office/drawing/2014/main" id="{8CB4C477-3AF0-C137-AFF6-6FF55CB61FDC}"/>
+              </a:ext>
+            </a:extLst>
+          </p:cNvPr>
+          <p:cNvGrpSpPr/>
+          <p:nvPr/>
+        </p:nvGrpSpPr>
+        <p:grpSpPr>
+          <a:xfrm>
+            <a:off x="6377956" y="3977055"/>
+            <a:ext cx="3491527" cy="2234548"/>
+            <a:chOff x="4924458" y="3942968"/>
+            <a:chExt cx="3491527" cy="1828800"/>
+          </a:xfrm>
+        </p:grpSpPr>
+        <p:sp>
+          <p:nvSpPr>
+            <p:cNvPr id="13" name="직사각형 12">
+              <a:extLst>
+                <a:ext uri="{FF2B5EF4-FFF2-40B4-BE49-F238E27FC236}">
+                  <a16:creationId xmlns:a16="http://schemas.microsoft.com/office/drawing/2014/main" id="{958B8335-814D-E186-5B8F-123080F63BAD}"/>
+                </a:ext>
+              </a:extLst>
+            </p:cNvPr>
+            <p:cNvSpPr/>
+            <p:nvPr/>
+          </p:nvSpPr>
+          <p:spPr>
+            <a:xfrm>
+              <a:off x="4924458" y="3942968"/>
+              <a:ext cx="3491527" cy="1828800"/>
+            </a:xfrm>
+            <a:prstGeom prst="rect">
+              <a:avLst/>
+            </a:prstGeom>
+          </p:spPr>
+          <p:style>
+            <a:lnRef idx="2">
+              <a:schemeClr val="accent4"/>
+            </a:lnRef>
+            <a:fillRef idx="1">
+              <a:schemeClr val="lt1"/>
+            </a:fillRef>
+            <a:effectRef idx="0">
+              <a:schemeClr val="accent4"/>
+            </a:effectRef>
+            <a:fontRef idx="minor">
+              <a:schemeClr val="dk1"/>
+            </a:fontRef>
+          </p:style>
+          <p:txBody>
+            <a:bodyPr rtlCol="0" anchor="ctr"/>
+            <a:lstStyle/>
+            <a:p>
+              <a:pPr algn="ctr"/>
+              <a:r>
+                <a:rPr lang="en-US" altLang="ko-KR" dirty="0" err="1">
+                  <a:solidFill>
+                    <a:schemeClr val="accent1"/>
+                  </a:solidFill>
+                </a:rPr>
+                <a:t>MainPresenter</a:t>
+              </a:r>
+              <a:endParaRPr lang="en-US" altLang="ko-KR" dirty="0">
+                <a:solidFill>
+                  <a:schemeClr val="accent1"/>
+                </a:solidFill>
+              </a:endParaRPr>
+            </a:p>
+            <a:p>
+              <a:pPr algn="ctr"/>
+              <a:endParaRPr lang="en-US" altLang="ko-KR" dirty="0">
+                <a:solidFill>
+                  <a:schemeClr val="accent1"/>
+                </a:solidFill>
+              </a:endParaRPr>
+            </a:p>
+            <a:p>
+              <a:pPr algn="ctr"/>
+              <a:endParaRPr lang="en-US" altLang="ko-KR" dirty="0">
+                <a:solidFill>
+                  <a:schemeClr val="accent1"/>
+                </a:solidFill>
+              </a:endParaRPr>
+            </a:p>
+            <a:p>
+              <a:pPr algn="ctr"/>
+              <a:endParaRPr lang="en-US" altLang="ko-KR" dirty="0">
+                <a:solidFill>
+                  <a:schemeClr val="accent1"/>
+                </a:solidFill>
+              </a:endParaRPr>
+            </a:p>
+            <a:p>
+              <a:pPr algn="ctr"/>
+              <a:endParaRPr lang="en-US" altLang="ko-KR" dirty="0">
+                <a:solidFill>
+                  <a:schemeClr val="accent1"/>
+                </a:solidFill>
+              </a:endParaRPr>
+            </a:p>
+            <a:p>
+              <a:pPr algn="ctr"/>
+              <a:endParaRPr lang="en-US" altLang="ko-KR" dirty="0">
+                <a:solidFill>
+                  <a:schemeClr val="accent1"/>
+                </a:solidFill>
+              </a:endParaRPr>
+            </a:p>
+            <a:p>
+              <a:pPr algn="ctr"/>
+              <a:endParaRPr lang="ko-KR" altLang="en-US" dirty="0">
+                <a:solidFill>
+                  <a:schemeClr val="accent1"/>
+                </a:solidFill>
+              </a:endParaRPr>
+            </a:p>
+          </p:txBody>
+        </p:sp>
+        <p:sp>
+          <p:nvSpPr>
+            <p:cNvPr id="16" name="직사각형 15">
+              <a:extLst>
+                <a:ext uri="{FF2B5EF4-FFF2-40B4-BE49-F238E27FC236}">
+                  <a16:creationId xmlns:a16="http://schemas.microsoft.com/office/drawing/2014/main" id="{D97AAAE1-A7EB-46ED-5281-F26A7088CE4B}"/>
+                </a:ext>
+              </a:extLst>
+            </p:cNvPr>
+            <p:cNvSpPr/>
+            <p:nvPr/>
+          </p:nvSpPr>
+          <p:spPr>
+            <a:xfrm>
+              <a:off x="5281048" y="4666837"/>
+              <a:ext cx="2778346" cy="786809"/>
+            </a:xfrm>
+            <a:prstGeom prst="rect">
+              <a:avLst/>
+            </a:prstGeom>
+          </p:spPr>
+          <p:style>
+            <a:lnRef idx="2">
+              <a:schemeClr val="accent4"/>
+            </a:lnRef>
+            <a:fillRef idx="1">
+              <a:schemeClr val="lt1"/>
+            </a:fillRef>
+            <a:effectRef idx="0">
+              <a:schemeClr val="accent4"/>
+            </a:effectRef>
+            <a:fontRef idx="minor">
+              <a:schemeClr val="dk1"/>
+            </a:fontRef>
+          </p:style>
+          <p:txBody>
+            <a:bodyPr rtlCol="0" anchor="ctr"/>
+            <a:lstStyle/>
+            <a:p>
+              <a:pPr algn="ctr"/>
+              <a:r>
+                <a:rPr lang="en-US" altLang="ko-KR" dirty="0" err="1">
+                  <a:solidFill>
+                    <a:schemeClr val="accent1"/>
+                  </a:solidFill>
+                </a:rPr>
+                <a:t>ButtonPanelEventListner</a:t>
+              </a:r>
+              <a:endParaRPr lang="en-US" altLang="ko-KR" dirty="0">
+                <a:solidFill>
+                  <a:schemeClr val="accent1"/>
+                </a:solidFill>
+              </a:endParaRPr>
+            </a:p>
+            <a:p>
+              <a:pPr algn="ctr"/>
+              <a:endParaRPr lang="en-US" altLang="ko-KR" sz="1000" dirty="0">
+                <a:solidFill>
+                  <a:schemeClr val="accent1"/>
+                </a:solidFill>
+              </a:endParaRPr>
+            </a:p>
+            <a:p>
+              <a:pPr algn="ctr"/>
+              <a:r>
+                <a:rPr lang="en-US" altLang="ko-KR" sz="1400" dirty="0" err="1">
+                  <a:solidFill>
+                    <a:schemeClr val="tx1"/>
+                  </a:solidFill>
+                </a:rPr>
+                <a:t>actionPerformed</a:t>
+              </a:r>
+              <a:r>
+                <a:rPr lang="en-US" altLang="ko-KR" sz="1400" dirty="0">
+                  <a:solidFill>
+                    <a:schemeClr val="tx1"/>
+                  </a:solidFill>
+                </a:rPr>
+                <a:t>()</a:t>
+              </a:r>
+            </a:p>
+          </p:txBody>
+        </p:sp>
+      </p:grpSp>
+      <p:sp>
+        <p:nvSpPr>
+          <p:cNvPr id="5" name="TextBox 4">
+            <a:extLst>
+              <a:ext uri="{FF2B5EF4-FFF2-40B4-BE49-F238E27FC236}">
+                <a16:creationId xmlns:a16="http://schemas.microsoft.com/office/drawing/2014/main" id="{D15DD0EE-C800-2DD2-5505-B618E541321C}"/>
+              </a:ext>
+            </a:extLst>
+          </p:cNvPr>
+          <p:cNvSpPr txBox="1"/>
+          <p:nvPr/>
+        </p:nvSpPr>
+        <p:spPr>
+          <a:xfrm>
+            <a:off x="444984" y="891452"/>
+            <a:ext cx="2731056" cy="461665"/>
+          </a:xfrm>
+          <a:prstGeom prst="rect">
+            <a:avLst/>
+          </a:prstGeom>
+          <a:noFill/>
+        </p:spPr>
+        <p:txBody>
+          <a:bodyPr wrap="square" rtlCol="0">
+            <a:spAutoFit/>
+          </a:bodyPr>
+          <a:lstStyle/>
+          <a:p>
+            <a:r>
+              <a:rPr lang="en-US" altLang="ko-KR" sz="1200" dirty="0"/>
+              <a:t>show : </a:t>
+            </a:r>
+            <a:r>
+              <a:rPr lang="ko-KR" altLang="en-US" sz="1200" dirty="0"/>
+              <a:t>각 패널에 스트링을 출력</a:t>
+            </a:r>
+            <a:endParaRPr lang="en-US" altLang="ko-KR" sz="1200" dirty="0"/>
+          </a:p>
+          <a:p>
+            <a:r>
+              <a:rPr lang="en-US" altLang="ko-KR" sz="1200" dirty="0"/>
+              <a:t>get</a:t>
+            </a:r>
+            <a:r>
+              <a:rPr lang="ko-KR" altLang="en-US" sz="1200" dirty="0"/>
+              <a:t> </a:t>
+            </a:r>
+            <a:r>
+              <a:rPr lang="en-US" altLang="ko-KR" sz="1200" dirty="0"/>
+              <a:t>: </a:t>
+            </a:r>
+            <a:r>
+              <a:rPr lang="ko-KR" altLang="en-US" sz="1200" dirty="0"/>
+              <a:t>각 패널에 있는 텍스트를 리턴 </a:t>
+            </a:r>
+            <a:r>
+              <a:rPr lang="en-US" altLang="ko-KR" sz="1200" dirty="0"/>
+              <a:t> </a:t>
+            </a:r>
+            <a:endParaRPr lang="ko-KR" altLang="en-US" sz="1200" dirty="0"/>
+          </a:p>
+        </p:txBody>
+      </p:sp>
+      <p:sp>
+        <p:nvSpPr>
+          <p:cNvPr id="6" name="TextBox 5">
+            <a:extLst>
+              <a:ext uri="{FF2B5EF4-FFF2-40B4-BE49-F238E27FC236}">
+                <a16:creationId xmlns:a16="http://schemas.microsoft.com/office/drawing/2014/main" id="{F6EC9529-B156-69CC-870C-235924A15EE5}"/>
+              </a:ext>
+            </a:extLst>
+          </p:cNvPr>
+          <p:cNvSpPr txBox="1"/>
+          <p:nvPr/>
+        </p:nvSpPr>
+        <p:spPr>
+          <a:xfrm>
+            <a:off x="9386047" y="740525"/>
+            <a:ext cx="2615453" cy="461665"/>
+          </a:xfrm>
+          <a:prstGeom prst="rect">
+            <a:avLst/>
+          </a:prstGeom>
+          <a:noFill/>
+        </p:spPr>
+        <p:txBody>
+          <a:bodyPr wrap="square" rtlCol="0">
+            <a:spAutoFit/>
+          </a:bodyPr>
+          <a:lstStyle/>
+          <a:p>
+            <a:r>
+              <a:rPr lang="ko-KR" altLang="en-US" sz="1200" dirty="0"/>
+              <a:t>버튼이 눌렸을 때 모델을 조합해</a:t>
+            </a:r>
+            <a:endParaRPr lang="en-US" altLang="ko-KR" sz="1200" dirty="0"/>
+          </a:p>
+          <a:p>
+            <a:r>
+              <a:rPr lang="ko-KR" altLang="en-US" sz="1200" dirty="0"/>
+              <a:t>데이터 변화와 뷰의 변화</a:t>
+            </a:r>
+            <a:endParaRPr lang="en-US" altLang="ko-KR" sz="1200" dirty="0"/>
+          </a:p>
+        </p:txBody>
+      </p:sp>
+      <p:cxnSp>
+        <p:nvCxnSpPr>
+          <p:cNvPr id="17" name="직선 연결선 16">
+            <a:extLst>
+              <a:ext uri="{FF2B5EF4-FFF2-40B4-BE49-F238E27FC236}">
+                <a16:creationId xmlns:a16="http://schemas.microsoft.com/office/drawing/2014/main" id="{8DA233DE-6644-9B1E-619A-8DF26AE5BB93}"/>
+              </a:ext>
+            </a:extLst>
+          </p:cNvPr>
+          <p:cNvCxnSpPr>
+            <a:stCxn id="9" idx="2"/>
+            <a:endCxn id="4" idx="0"/>
+          </p:cNvCxnSpPr>
+          <p:nvPr/>
+        </p:nvCxnSpPr>
+        <p:spPr>
+          <a:xfrm flipH="1">
+            <a:off x="3623738" y="3708270"/>
+            <a:ext cx="940634" cy="268785"/>
+          </a:xfrm>
+          <a:prstGeom prst="line">
+            <a:avLst/>
+          </a:prstGeom>
+        </p:spPr>
+        <p:style>
+          <a:lnRef idx="2">
+            <a:schemeClr val="dk1"/>
+          </a:lnRef>
+          <a:fillRef idx="0">
+            <a:schemeClr val="dk1"/>
+          </a:fillRef>
+          <a:effectRef idx="1">
+            <a:schemeClr val="dk1"/>
+          </a:effectRef>
+          <a:fontRef idx="minor">
+            <a:schemeClr val="tx1"/>
+          </a:fontRef>
+        </p:style>
+      </p:cxnSp>
+      <p:cxnSp>
+        <p:nvCxnSpPr>
+          <p:cNvPr id="20" name="직선 연결선 19">
+            <a:extLst>
+              <a:ext uri="{FF2B5EF4-FFF2-40B4-BE49-F238E27FC236}">
+                <a16:creationId xmlns:a16="http://schemas.microsoft.com/office/drawing/2014/main" id="{7D47259E-4D96-831B-FDB5-D7790C25781F}"/>
+              </a:ext>
+            </a:extLst>
+          </p:cNvPr>
+          <p:cNvCxnSpPr>
+            <a:stCxn id="10" idx="2"/>
+            <a:endCxn id="13" idx="0"/>
+          </p:cNvCxnSpPr>
+          <p:nvPr/>
+        </p:nvCxnSpPr>
+        <p:spPr>
+          <a:xfrm>
+            <a:off x="7824852" y="3708270"/>
+            <a:ext cx="298868" cy="268785"/>
+          </a:xfrm>
+          <a:prstGeom prst="line">
+            <a:avLst/>
+          </a:prstGeom>
+        </p:spPr>
+        <p:style>
+          <a:lnRef idx="2">
+            <a:schemeClr val="dk1"/>
+          </a:lnRef>
+          <a:fillRef idx="0">
+            <a:schemeClr val="dk1"/>
+          </a:fillRef>
+          <a:effectRef idx="1">
+            <a:schemeClr val="dk1"/>
+          </a:effectRef>
+          <a:fontRef idx="minor">
+            <a:schemeClr val="tx1"/>
+          </a:fontRef>
+        </p:style>
+      </p:cxnSp>
+      <p:cxnSp>
+        <p:nvCxnSpPr>
+          <p:cNvPr id="22" name="직선 화살표 연결선 21">
+            <a:extLst>
+              <a:ext uri="{FF2B5EF4-FFF2-40B4-BE49-F238E27FC236}">
+                <a16:creationId xmlns:a16="http://schemas.microsoft.com/office/drawing/2014/main" id="{B636B725-A154-B23B-D492-B50FF2389D77}"/>
+              </a:ext>
+            </a:extLst>
+          </p:cNvPr>
+          <p:cNvCxnSpPr>
+            <a:stCxn id="4" idx="3"/>
+            <a:endCxn id="13" idx="1"/>
+          </p:cNvCxnSpPr>
+          <p:nvPr/>
+        </p:nvCxnSpPr>
+        <p:spPr>
+          <a:xfrm flipV="1">
+            <a:off x="5814045" y="5094329"/>
+            <a:ext cx="563911" cy="1"/>
+          </a:xfrm>
+          <a:prstGeom prst="straightConnector1">
+            <a:avLst/>
+          </a:prstGeom>
+          <a:ln>
+            <a:headEnd type="triangle"/>
+            <a:tailEnd type="triangle"/>
+          </a:ln>
+        </p:spPr>
+        <p:style>
+          <a:lnRef idx="2">
+            <a:schemeClr val="dk1"/>
+          </a:lnRef>
+          <a:fillRef idx="0">
+            <a:schemeClr val="dk1"/>
+          </a:fillRef>
+          <a:effectRef idx="1">
+            <a:schemeClr val="dk1"/>
+          </a:effectRef>
+          <a:fontRef idx="minor">
+            <a:schemeClr val="tx1"/>
+          </a:fontRef>
+        </p:style>
+      </p:cxnSp>
+    </p:spTree>
+    <p:extLst>
+      <p:ext uri="{BB962C8B-B14F-4D97-AF65-F5344CB8AC3E}">
+        <p14:creationId xmlns:p14="http://schemas.microsoft.com/office/powerpoint/2010/main" val="582271907"/>
+      </p:ext>
+    </p:extLst>
+  </p:cSld>
+  <p:clrMapOvr>
+    <a:masterClrMapping/>
+  </p:clrMapOvr>
+</p:sld>
+</file>
+
+<file path=ppt/slides/slide2.xml><?xml version="1.0" encoding="utf-8"?>
+<p:sld xmlns:a="http://schemas.openxmlformats.org/drawingml/2006/main" xmlns:r="http://schemas.openxmlformats.org/officeDocument/2006/relationships" xmlns:p="http://schemas.openxmlformats.org/presentationml/2006/main">
+  <p:cSld>
+    <p:spTree>
+      <p:nvGrpSpPr>
+        <p:cNvPr id="1" name=""/>
+        <p:cNvGrpSpPr/>
+        <p:nvPr/>
+      </p:nvGrpSpPr>
+      <p:grpSpPr>
+        <a:xfrm>
+          <a:off x="0" y="0"/>
+          <a:ext cx="0" cy="0"/>
+          <a:chOff x="0" y="0"/>
+          <a:chExt cx="0" cy="0"/>
+        </a:xfrm>
+      </p:grpSpPr>
+      <p:grpSp>
+        <p:nvGrpSpPr>
+          <p:cNvPr id="2" name="그룹 1">
+            <a:extLst>
+              <a:ext uri="{FF2B5EF4-FFF2-40B4-BE49-F238E27FC236}">
+                <a16:creationId xmlns:a16="http://schemas.microsoft.com/office/drawing/2014/main" id="{88C506CE-8AD7-E2E3-D836-B8D6B3A56FB6}"/>
+              </a:ext>
+            </a:extLst>
+          </p:cNvPr>
+          <p:cNvGrpSpPr/>
+          <p:nvPr/>
+        </p:nvGrpSpPr>
+        <p:grpSpPr>
+          <a:xfrm>
+            <a:off x="3796121" y="178261"/>
+            <a:ext cx="3491527" cy="2234548"/>
+            <a:chOff x="4924458" y="3942968"/>
+            <a:chExt cx="3491527" cy="1828800"/>
+          </a:xfrm>
+        </p:grpSpPr>
+        <p:sp>
+          <p:nvSpPr>
+            <p:cNvPr id="3" name="직사각형 2">
+              <a:extLst>
+                <a:ext uri="{FF2B5EF4-FFF2-40B4-BE49-F238E27FC236}">
+                  <a16:creationId xmlns:a16="http://schemas.microsoft.com/office/drawing/2014/main" id="{54F2EE8F-97FF-1153-E4D6-104E48A4F1BD}"/>
+                </a:ext>
+              </a:extLst>
+            </p:cNvPr>
+            <p:cNvSpPr/>
+            <p:nvPr/>
+          </p:nvSpPr>
+          <p:spPr>
+            <a:xfrm>
+              <a:off x="4924458" y="3942968"/>
+              <a:ext cx="3491527" cy="1828800"/>
+            </a:xfrm>
+            <a:prstGeom prst="rect">
+              <a:avLst/>
+            </a:prstGeom>
+          </p:spPr>
+          <p:style>
+            <a:lnRef idx="2">
+              <a:schemeClr val="accent4"/>
+            </a:lnRef>
+            <a:fillRef idx="1">
+              <a:schemeClr val="lt1"/>
+            </a:fillRef>
+            <a:effectRef idx="0">
+              <a:schemeClr val="accent4"/>
+            </a:effectRef>
+            <a:fontRef idx="minor">
+              <a:schemeClr val="dk1"/>
+            </a:fontRef>
+          </p:style>
+          <p:txBody>
+            <a:bodyPr rtlCol="0" anchor="ctr"/>
+            <a:lstStyle/>
+            <a:p>
+              <a:pPr algn="ctr"/>
+              <a:r>
+                <a:rPr lang="en-US" altLang="ko-KR" dirty="0" err="1">
+                  <a:solidFill>
+                    <a:schemeClr val="accent1"/>
+                  </a:solidFill>
+                </a:rPr>
+                <a:t>MainPresenter</a:t>
+              </a:r>
+              <a:endParaRPr lang="en-US" altLang="ko-KR" dirty="0">
+                <a:solidFill>
+                  <a:schemeClr val="accent1"/>
+                </a:solidFill>
+              </a:endParaRPr>
+            </a:p>
+            <a:p>
+              <a:pPr algn="ctr"/>
+              <a:endParaRPr lang="en-US" altLang="ko-KR" dirty="0">
+                <a:solidFill>
+                  <a:schemeClr val="accent1"/>
+                </a:solidFill>
+              </a:endParaRPr>
+            </a:p>
+            <a:p>
+              <a:pPr algn="ctr"/>
+              <a:endParaRPr lang="en-US" altLang="ko-KR" dirty="0">
+                <a:solidFill>
+                  <a:schemeClr val="accent1"/>
+                </a:solidFill>
+              </a:endParaRPr>
+            </a:p>
+            <a:p>
+              <a:pPr algn="ctr"/>
+              <a:endParaRPr lang="en-US" altLang="ko-KR" dirty="0">
+                <a:solidFill>
+                  <a:schemeClr val="accent1"/>
+                </a:solidFill>
+              </a:endParaRPr>
+            </a:p>
+            <a:p>
+              <a:pPr algn="ctr"/>
+              <a:endParaRPr lang="en-US" altLang="ko-KR" dirty="0">
+                <a:solidFill>
+                  <a:schemeClr val="accent1"/>
+                </a:solidFill>
+              </a:endParaRPr>
+            </a:p>
+            <a:p>
+              <a:pPr algn="ctr"/>
+              <a:endParaRPr lang="en-US" altLang="ko-KR" dirty="0">
+                <a:solidFill>
+                  <a:schemeClr val="accent1"/>
+                </a:solidFill>
+              </a:endParaRPr>
+            </a:p>
+            <a:p>
+              <a:pPr algn="ctr"/>
+              <a:endParaRPr lang="ko-KR" altLang="en-US" dirty="0">
+                <a:solidFill>
+                  <a:schemeClr val="accent1"/>
+                </a:solidFill>
+              </a:endParaRPr>
+            </a:p>
+          </p:txBody>
+        </p:sp>
+        <p:sp>
+          <p:nvSpPr>
+            <p:cNvPr id="4" name="직사각형 3">
+              <a:extLst>
+                <a:ext uri="{FF2B5EF4-FFF2-40B4-BE49-F238E27FC236}">
+                  <a16:creationId xmlns:a16="http://schemas.microsoft.com/office/drawing/2014/main" id="{F42B7F89-06D5-E0DE-4AAE-0717DB00B196}"/>
+                </a:ext>
+              </a:extLst>
+            </p:cNvPr>
+            <p:cNvSpPr/>
+            <p:nvPr/>
+          </p:nvSpPr>
+          <p:spPr>
+            <a:xfrm>
+              <a:off x="5281048" y="4666837"/>
+              <a:ext cx="2778346" cy="786809"/>
+            </a:xfrm>
+            <a:prstGeom prst="rect">
+              <a:avLst/>
+            </a:prstGeom>
+          </p:spPr>
+          <p:style>
+            <a:lnRef idx="2">
+              <a:schemeClr val="accent4"/>
+            </a:lnRef>
+            <a:fillRef idx="1">
+              <a:schemeClr val="lt1"/>
+            </a:fillRef>
+            <a:effectRef idx="0">
+              <a:schemeClr val="accent4"/>
+            </a:effectRef>
+            <a:fontRef idx="minor">
+              <a:schemeClr val="dk1"/>
+            </a:fontRef>
+          </p:style>
+          <p:txBody>
+            <a:bodyPr rtlCol="0" anchor="ctr"/>
+            <a:lstStyle/>
+            <a:p>
+              <a:pPr algn="ctr"/>
+              <a:r>
+                <a:rPr lang="en-US" altLang="ko-KR" dirty="0" err="1">
+                  <a:solidFill>
+                    <a:schemeClr val="accent1"/>
+                  </a:solidFill>
+                </a:rPr>
+                <a:t>ButtonPanelEventListner</a:t>
+              </a:r>
+              <a:endParaRPr lang="en-US" altLang="ko-KR" dirty="0">
+                <a:solidFill>
+                  <a:schemeClr val="accent1"/>
+                </a:solidFill>
+              </a:endParaRPr>
+            </a:p>
+            <a:p>
+              <a:pPr algn="ctr"/>
+              <a:endParaRPr lang="en-US" altLang="ko-KR" sz="1000" dirty="0">
+                <a:solidFill>
+                  <a:schemeClr val="accent1"/>
+                </a:solidFill>
+              </a:endParaRPr>
+            </a:p>
+            <a:p>
+              <a:pPr algn="ctr"/>
+              <a:r>
+                <a:rPr lang="en-US" altLang="ko-KR" sz="1400" dirty="0" err="1">
+                  <a:solidFill>
+                    <a:schemeClr val="tx1"/>
+                  </a:solidFill>
+                </a:rPr>
+                <a:t>actionPerformed</a:t>
+              </a:r>
+              <a:r>
+                <a:rPr lang="en-US" altLang="ko-KR" sz="1400" dirty="0">
+                  <a:solidFill>
+                    <a:schemeClr val="tx1"/>
+                  </a:solidFill>
+                </a:rPr>
+                <a:t>()</a:t>
+              </a:r>
+            </a:p>
+          </p:txBody>
+        </p:sp>
+      </p:grpSp>
+      <p:sp>
+        <p:nvSpPr>
+          <p:cNvPr id="6" name="직사각형 5">
+            <a:extLst>
+              <a:ext uri="{FF2B5EF4-FFF2-40B4-BE49-F238E27FC236}">
+                <a16:creationId xmlns:a16="http://schemas.microsoft.com/office/drawing/2014/main" id="{95BEA39D-21C0-84EF-E979-E220A58196B5}"/>
               </a:ext>
             </a:extLst>
           </p:cNvPr>
@@ -4199,8 +5525,8 @@
         </p:nvSpPr>
         <p:spPr>
           <a:xfrm>
-            <a:off x="5281048" y="4666837"/>
-            <a:ext cx="2778346" cy="786809"/>
+            <a:off x="403416" y="2908576"/>
+            <a:ext cx="3291382" cy="2423183"/>
           </a:xfrm>
           <a:prstGeom prst="rect">
             <a:avLst/>
@@ -4231,7 +5557,7 @@
                   <a:schemeClr val="accent1"/>
                 </a:solidFill>
               </a:rPr>
-              <a:t>ButtonPanelEventListner</a:t>
+              <a:t>FileUtil</a:t>
             </a:r>
             <a:endParaRPr lang="en-US" altLang="ko-KR" dirty="0">
               <a:solidFill>
@@ -4241,37 +5567,667 @@
           </a:p>
           <a:p>
             <a:pPr algn="ctr"/>
+            <a:endParaRPr lang="en-US" altLang="ko-KR" sz="1400" dirty="0">
+              <a:solidFill>
+                <a:schemeClr val="accent1"/>
+              </a:solidFill>
+            </a:endParaRPr>
+          </a:p>
+          <a:p>
+            <a:pPr algn="ctr"/>
+            <a:r>
+              <a:rPr lang="en-US" altLang="ko-KR" sz="1400" dirty="0">
+                <a:solidFill>
+                  <a:schemeClr val="tx1"/>
+                </a:solidFill>
+                <a:highlight>
+                  <a:srgbClr val="FFFF00"/>
+                </a:highlight>
+              </a:rPr>
+              <a:t>variable</a:t>
+            </a:r>
+          </a:p>
+          <a:p>
+            <a:pPr algn="ctr"/>
+            <a:r>
+              <a:rPr lang="en-US" altLang="ko-KR" sz="1400" dirty="0">
+                <a:solidFill>
+                  <a:schemeClr val="tx1"/>
+                </a:solidFill>
+              </a:rPr>
+              <a:t>IDE</a:t>
+            </a:r>
+            <a:r>
+              <a:rPr lang="ko-KR" altLang="en-US" sz="1400" dirty="0">
+                <a:solidFill>
+                  <a:schemeClr val="tx1"/>
+                </a:solidFill>
+              </a:rPr>
+              <a:t>에서 </a:t>
+            </a:r>
+            <a:r>
+              <a:rPr lang="ko-KR" altLang="en-US" sz="1400" dirty="0" err="1">
+                <a:solidFill>
+                  <a:schemeClr val="tx1"/>
+                </a:solidFill>
+              </a:rPr>
+              <a:t>오픈된</a:t>
+            </a:r>
+            <a:r>
+              <a:rPr lang="ko-KR" altLang="en-US" sz="1400" dirty="0">
+                <a:solidFill>
+                  <a:schemeClr val="tx1"/>
+                </a:solidFill>
+              </a:rPr>
+              <a:t> 파일</a:t>
+            </a:r>
+            <a:r>
+              <a:rPr lang="en-US" altLang="ko-KR" sz="1400" dirty="0">
+                <a:solidFill>
+                  <a:schemeClr val="tx1"/>
+                </a:solidFill>
+              </a:rPr>
+              <a:t>(static)</a:t>
+            </a:r>
+          </a:p>
+          <a:p>
+            <a:pPr algn="ctr"/>
+            <a:r>
+              <a:rPr lang="ko-KR" altLang="en-US" sz="1400" dirty="0">
+                <a:solidFill>
+                  <a:schemeClr val="tx1"/>
+                </a:solidFill>
+              </a:rPr>
+              <a:t>한번이라도 </a:t>
+            </a:r>
+            <a:r>
+              <a:rPr lang="ko-KR" altLang="en-US" sz="1400" dirty="0" err="1">
+                <a:solidFill>
+                  <a:schemeClr val="tx1"/>
+                </a:solidFill>
+              </a:rPr>
+              <a:t>오픈된</a:t>
+            </a:r>
+            <a:r>
+              <a:rPr lang="ko-KR" altLang="en-US" sz="1400" dirty="0">
+                <a:solidFill>
+                  <a:schemeClr val="tx1"/>
+                </a:solidFill>
+              </a:rPr>
+              <a:t> 파일 리스트</a:t>
+            </a:r>
+            <a:r>
+              <a:rPr lang="en-US" altLang="ko-KR" sz="1400" dirty="0">
+                <a:solidFill>
+                  <a:schemeClr val="tx1"/>
+                </a:solidFill>
+              </a:rPr>
+              <a:t>(static)</a:t>
+            </a:r>
+          </a:p>
+          <a:p>
+            <a:pPr algn="ctr"/>
+            <a:endParaRPr lang="en-US" altLang="ko-KR" sz="1400" dirty="0">
+              <a:solidFill>
+                <a:schemeClr val="tx1"/>
+              </a:solidFill>
+            </a:endParaRPr>
+          </a:p>
+          <a:p>
+            <a:pPr algn="ctr"/>
+            <a:r>
+              <a:rPr lang="en-US" altLang="ko-KR" sz="1400" dirty="0">
+                <a:solidFill>
+                  <a:schemeClr val="tx1"/>
+                </a:solidFill>
+                <a:highlight>
+                  <a:srgbClr val="FFFF00"/>
+                </a:highlight>
+              </a:rPr>
+              <a:t>method</a:t>
+            </a:r>
+          </a:p>
+          <a:p>
+            <a:pPr algn="ctr"/>
+            <a:r>
+              <a:rPr lang="ko-KR" altLang="en-US" sz="1400" dirty="0">
+                <a:solidFill>
+                  <a:schemeClr val="tx1"/>
+                </a:solidFill>
+              </a:rPr>
+              <a:t>파일의 내용을 </a:t>
+            </a:r>
+            <a:r>
+              <a:rPr lang="en-US" altLang="ko-KR" sz="1400" dirty="0">
+                <a:solidFill>
+                  <a:schemeClr val="tx1"/>
+                </a:solidFill>
+              </a:rPr>
+              <a:t>String</a:t>
+            </a:r>
+            <a:r>
+              <a:rPr lang="ko-KR" altLang="en-US" sz="1400" dirty="0">
+                <a:solidFill>
+                  <a:schemeClr val="tx1"/>
+                </a:solidFill>
+              </a:rPr>
+              <a:t>으로 반환</a:t>
+            </a:r>
+            <a:r>
+              <a:rPr lang="en-US" altLang="ko-KR" sz="1400" dirty="0">
+                <a:solidFill>
+                  <a:schemeClr val="tx1"/>
+                </a:solidFill>
+              </a:rPr>
+              <a:t>(static)</a:t>
+            </a:r>
+          </a:p>
+          <a:p>
+            <a:pPr algn="ctr"/>
+            <a:r>
+              <a:rPr lang="en-US" altLang="ko-KR" sz="1400" dirty="0">
+                <a:solidFill>
+                  <a:schemeClr val="tx1"/>
+                </a:solidFill>
+              </a:rPr>
+              <a:t>String</a:t>
+            </a:r>
+            <a:r>
+              <a:rPr lang="ko-KR" altLang="en-US" sz="1400" dirty="0">
+                <a:solidFill>
+                  <a:schemeClr val="tx1"/>
+                </a:solidFill>
+              </a:rPr>
+              <a:t>을 파일로 저장</a:t>
+            </a:r>
+            <a:r>
+              <a:rPr lang="en-US" altLang="ko-KR" sz="1400" dirty="0">
+                <a:solidFill>
+                  <a:schemeClr val="tx1"/>
+                </a:solidFill>
+              </a:rPr>
+              <a:t>(static)</a:t>
+            </a:r>
+          </a:p>
+          <a:p>
+            <a:pPr algn="ctr"/>
+            <a:r>
+              <a:rPr lang="ko-KR" altLang="en-US" sz="1400" dirty="0" err="1">
+                <a:solidFill>
+                  <a:schemeClr val="tx1"/>
+                </a:solidFill>
+              </a:rPr>
+              <a:t>오픈된</a:t>
+            </a:r>
+            <a:r>
+              <a:rPr lang="ko-KR" altLang="en-US" sz="1400" dirty="0">
+                <a:solidFill>
+                  <a:schemeClr val="tx1"/>
+                </a:solidFill>
+              </a:rPr>
+              <a:t> 파일 삭제</a:t>
+            </a:r>
+            <a:r>
+              <a:rPr lang="en-US" altLang="ko-KR" sz="1400" dirty="0">
+                <a:solidFill>
+                  <a:schemeClr val="tx1"/>
+                </a:solidFill>
+              </a:rPr>
+              <a:t>(static)</a:t>
+            </a:r>
+            <a:endParaRPr lang="en-US" altLang="ko-KR" dirty="0">
+              <a:solidFill>
+                <a:schemeClr val="accent1"/>
+              </a:solidFill>
+            </a:endParaRPr>
+          </a:p>
+        </p:txBody>
+      </p:sp>
+      <p:sp>
+        <p:nvSpPr>
+          <p:cNvPr id="7" name="직사각형 6">
+            <a:extLst>
+              <a:ext uri="{FF2B5EF4-FFF2-40B4-BE49-F238E27FC236}">
+                <a16:creationId xmlns:a16="http://schemas.microsoft.com/office/drawing/2014/main" id="{7966C842-5B4C-F216-ED3A-85E128208172}"/>
+              </a:ext>
+            </a:extLst>
+          </p:cNvPr>
+          <p:cNvSpPr/>
+          <p:nvPr/>
+        </p:nvSpPr>
+        <p:spPr>
+          <a:xfrm>
+            <a:off x="4152711" y="2908577"/>
+            <a:ext cx="2778346" cy="2833317"/>
+          </a:xfrm>
+          <a:prstGeom prst="rect">
+            <a:avLst/>
+          </a:prstGeom>
+        </p:spPr>
+        <p:style>
+          <a:lnRef idx="2">
+            <a:schemeClr val="accent4"/>
+          </a:lnRef>
+          <a:fillRef idx="1">
+            <a:schemeClr val="lt1"/>
+          </a:fillRef>
+          <a:effectRef idx="0">
+            <a:schemeClr val="accent4"/>
+          </a:effectRef>
+          <a:fontRef idx="minor">
+            <a:schemeClr val="dk1"/>
+          </a:fontRef>
+        </p:style>
+        <p:txBody>
+          <a:bodyPr rtlCol="0" anchor="ctr"/>
+          <a:lstStyle/>
+          <a:p>
+            <a:pPr algn="ctr"/>
+            <a:r>
+              <a:rPr lang="en-US" altLang="ko-KR" dirty="0">
+                <a:solidFill>
+                  <a:schemeClr val="accent1"/>
+                </a:solidFill>
+              </a:rPr>
+              <a:t>Compiler</a:t>
+            </a:r>
+          </a:p>
+          <a:p>
+            <a:pPr algn="ctr"/>
+            <a:endParaRPr lang="en-US" altLang="ko-KR" sz="1400" dirty="0">
+              <a:solidFill>
+                <a:schemeClr val="tx1"/>
+              </a:solidFill>
+              <a:highlight>
+                <a:srgbClr val="FFFF00"/>
+              </a:highlight>
+            </a:endParaRPr>
+          </a:p>
+          <a:p>
+            <a:pPr algn="ctr"/>
+            <a:r>
+              <a:rPr lang="en-US" altLang="ko-KR" sz="1400" dirty="0">
+                <a:solidFill>
+                  <a:schemeClr val="tx1"/>
+                </a:solidFill>
+                <a:highlight>
+                  <a:srgbClr val="FFFF00"/>
+                </a:highlight>
+              </a:rPr>
+              <a:t>variable</a:t>
+            </a:r>
+            <a:endParaRPr lang="en-US" altLang="ko-KR" sz="1400" dirty="0">
+              <a:solidFill>
+                <a:schemeClr val="tx1"/>
+              </a:solidFill>
+            </a:endParaRPr>
+          </a:p>
+          <a:p>
+            <a:pPr algn="ctr"/>
+            <a:r>
+              <a:rPr lang="ko-KR" altLang="en-US" sz="1400" dirty="0">
+                <a:solidFill>
+                  <a:schemeClr val="tx1"/>
+                </a:solidFill>
+              </a:rPr>
+              <a:t>소스파일</a:t>
+            </a:r>
+            <a:endParaRPr lang="en-US" altLang="ko-KR" sz="1400" dirty="0">
+              <a:solidFill>
+                <a:schemeClr val="tx1"/>
+              </a:solidFill>
+            </a:endParaRPr>
+          </a:p>
+          <a:p>
+            <a:pPr algn="ctr"/>
+            <a:r>
+              <a:rPr lang="ko-KR" altLang="en-US" sz="1400" dirty="0">
+                <a:solidFill>
+                  <a:schemeClr val="tx1"/>
+                </a:solidFill>
+              </a:rPr>
+              <a:t>컴파일러 경로</a:t>
+            </a:r>
+            <a:endParaRPr lang="en-US" altLang="ko-KR" sz="1400" dirty="0">
+              <a:solidFill>
+                <a:schemeClr val="tx1"/>
+              </a:solidFill>
+            </a:endParaRPr>
+          </a:p>
+          <a:p>
+            <a:pPr algn="ctr"/>
+            <a:r>
+              <a:rPr lang="ko-KR" altLang="en-US" sz="1400" dirty="0">
+                <a:solidFill>
+                  <a:schemeClr val="tx1"/>
+                </a:solidFill>
+              </a:rPr>
+              <a:t>마지막으로 </a:t>
+            </a:r>
+            <a:r>
+              <a:rPr lang="ko-KR" altLang="en-US" sz="1400" dirty="0" err="1">
+                <a:solidFill>
+                  <a:schemeClr val="tx1"/>
+                </a:solidFill>
+              </a:rPr>
+              <a:t>컴파일된</a:t>
+            </a:r>
+            <a:r>
+              <a:rPr lang="ko-KR" altLang="en-US" sz="1400" dirty="0">
+                <a:solidFill>
+                  <a:schemeClr val="tx1"/>
+                </a:solidFill>
+              </a:rPr>
+              <a:t> 파일</a:t>
+            </a:r>
+            <a:r>
+              <a:rPr lang="en-US" altLang="ko-KR" sz="1400" dirty="0">
+                <a:solidFill>
+                  <a:schemeClr val="tx1"/>
+                </a:solidFill>
+              </a:rPr>
+              <a:t>(static)</a:t>
+            </a:r>
+          </a:p>
+          <a:p>
+            <a:pPr algn="ctr"/>
+            <a:r>
+              <a:rPr lang="ko-KR" altLang="en-US" sz="1400" dirty="0">
+                <a:solidFill>
+                  <a:schemeClr val="tx1"/>
+                </a:solidFill>
+              </a:rPr>
+              <a:t>마지막 컴파일 오류 내용</a:t>
+            </a:r>
+            <a:r>
+              <a:rPr lang="en-US" altLang="ko-KR" sz="1400" dirty="0">
+                <a:solidFill>
+                  <a:schemeClr val="tx1"/>
+                </a:solidFill>
+              </a:rPr>
+              <a:t>(static)</a:t>
+            </a:r>
+          </a:p>
+          <a:p>
+            <a:pPr algn="ctr"/>
+            <a:r>
+              <a:rPr lang="ko-KR" altLang="en-US" sz="1400" dirty="0">
+                <a:solidFill>
+                  <a:schemeClr val="tx1"/>
+                </a:solidFill>
+              </a:rPr>
+              <a:t>컴파일 메시지</a:t>
+            </a:r>
+            <a:endParaRPr lang="en-US" altLang="ko-KR" sz="1400" dirty="0">
+              <a:solidFill>
+                <a:schemeClr val="tx1"/>
+              </a:solidFill>
+            </a:endParaRPr>
+          </a:p>
+          <a:p>
+            <a:pPr algn="ctr"/>
+            <a:endParaRPr lang="en-US" altLang="ko-KR" sz="1400" dirty="0">
+              <a:solidFill>
+                <a:schemeClr val="tx1"/>
+              </a:solidFill>
+              <a:highlight>
+                <a:srgbClr val="FFFF00"/>
+              </a:highlight>
+            </a:endParaRPr>
+          </a:p>
+          <a:p>
+            <a:pPr algn="ctr"/>
+            <a:r>
+              <a:rPr lang="en-US" altLang="ko-KR" sz="1400" dirty="0">
+                <a:solidFill>
+                  <a:schemeClr val="tx1"/>
+                </a:solidFill>
+                <a:highlight>
+                  <a:srgbClr val="FFFF00"/>
+                </a:highlight>
+              </a:rPr>
+              <a:t>method</a:t>
+            </a:r>
+            <a:endParaRPr lang="en-US" altLang="ko-KR" sz="1400" dirty="0">
+              <a:solidFill>
+                <a:schemeClr val="tx1"/>
+              </a:solidFill>
+            </a:endParaRPr>
+          </a:p>
+          <a:p>
+            <a:pPr algn="ctr"/>
+            <a:r>
+              <a:rPr lang="ko-KR" altLang="en-US" sz="1400" dirty="0">
+                <a:solidFill>
+                  <a:schemeClr val="tx1"/>
+                </a:solidFill>
+              </a:rPr>
+              <a:t>소스파일을 컴파일</a:t>
+            </a:r>
+            <a:r>
+              <a:rPr lang="en-US" altLang="ko-KR" sz="1400" dirty="0">
+                <a:solidFill>
+                  <a:schemeClr val="tx1"/>
+                </a:solidFill>
+              </a:rPr>
+              <a:t>(</a:t>
+            </a:r>
+            <a:r>
+              <a:rPr lang="ko-KR" altLang="en-US" sz="1400" dirty="0">
+                <a:solidFill>
+                  <a:schemeClr val="tx1"/>
+                </a:solidFill>
+              </a:rPr>
+              <a:t>저장 위치</a:t>
+            </a:r>
+            <a:r>
+              <a:rPr lang="en-US" altLang="ko-KR" sz="1400" dirty="0">
+                <a:solidFill>
+                  <a:schemeClr val="tx1"/>
+                </a:solidFill>
+              </a:rPr>
+              <a:t>)</a:t>
+            </a:r>
+          </a:p>
+        </p:txBody>
+      </p:sp>
+      <p:sp>
+        <p:nvSpPr>
+          <p:cNvPr id="8" name="직사각형 7">
+            <a:extLst>
+              <a:ext uri="{FF2B5EF4-FFF2-40B4-BE49-F238E27FC236}">
+                <a16:creationId xmlns:a16="http://schemas.microsoft.com/office/drawing/2014/main" id="{7A4E9C41-CB32-2D0B-8EF9-721A24E08FB8}"/>
+              </a:ext>
+            </a:extLst>
+          </p:cNvPr>
+          <p:cNvSpPr/>
+          <p:nvPr/>
+        </p:nvSpPr>
+        <p:spPr>
+          <a:xfrm>
+            <a:off x="7388970" y="2908575"/>
+            <a:ext cx="2778346" cy="2423182"/>
+          </a:xfrm>
+          <a:prstGeom prst="rect">
+            <a:avLst/>
+          </a:prstGeom>
+        </p:spPr>
+        <p:style>
+          <a:lnRef idx="2">
+            <a:schemeClr val="accent4"/>
+          </a:lnRef>
+          <a:fillRef idx="1">
+            <a:schemeClr val="lt1"/>
+          </a:fillRef>
+          <a:effectRef idx="0">
+            <a:schemeClr val="accent4"/>
+          </a:effectRef>
+          <a:fontRef idx="minor">
+            <a:schemeClr val="dk1"/>
+          </a:fontRef>
+        </p:style>
+        <p:txBody>
+          <a:bodyPr rtlCol="0" anchor="ctr"/>
+          <a:lstStyle/>
+          <a:p>
+            <a:pPr algn="ctr"/>
+            <a:r>
+              <a:rPr lang="en-US" altLang="ko-KR" dirty="0" err="1">
+                <a:solidFill>
+                  <a:schemeClr val="accent1"/>
+                </a:solidFill>
+              </a:rPr>
+              <a:t>SettingManager</a:t>
+            </a:r>
+            <a:endParaRPr lang="en-US" altLang="ko-KR" dirty="0">
+              <a:solidFill>
+                <a:schemeClr val="accent1"/>
+              </a:solidFill>
+            </a:endParaRPr>
+          </a:p>
+          <a:p>
+            <a:pPr algn="ctr"/>
             <a:endParaRPr lang="en-US" altLang="ko-KR" sz="1000" dirty="0">
               <a:solidFill>
                 <a:schemeClr val="accent1"/>
               </a:solidFill>
             </a:endParaRPr>
           </a:p>
-          <a:p>
-            <a:pPr algn="ctr"/>
-            <a:r>
-              <a:rPr lang="en-US" altLang="ko-KR" sz="1400" dirty="0" err="1">
-                <a:solidFill>
-                  <a:schemeClr val="tx1"/>
-                </a:solidFill>
-              </a:rPr>
-              <a:t>actionPerformed</a:t>
-            </a:r>
-            <a:r>
-              <a:rPr lang="en-US" altLang="ko-KR" sz="1400" dirty="0">
-                <a:solidFill>
-                  <a:schemeClr val="tx1"/>
-                </a:solidFill>
-              </a:rPr>
-              <a:t>()</a:t>
-            </a:r>
-          </a:p>
-        </p:txBody>
-      </p:sp>
+        </p:txBody>
+      </p:sp>
+      <p:cxnSp>
+        <p:nvCxnSpPr>
+          <p:cNvPr id="10" name="직선 화살표 연결선 9">
+            <a:extLst>
+              <a:ext uri="{FF2B5EF4-FFF2-40B4-BE49-F238E27FC236}">
+                <a16:creationId xmlns:a16="http://schemas.microsoft.com/office/drawing/2014/main" id="{52E10239-98DA-FCCA-2296-534FFF73C178}"/>
+              </a:ext>
+            </a:extLst>
+          </p:cNvPr>
+          <p:cNvCxnSpPr>
+            <a:cxnSpLocks/>
+            <a:stCxn id="3" idx="2"/>
+            <a:endCxn id="6" idx="0"/>
+          </p:cNvCxnSpPr>
+          <p:nvPr/>
+        </p:nvCxnSpPr>
+        <p:spPr>
+          <a:xfrm flipH="1">
+            <a:off x="2049107" y="2412809"/>
+            <a:ext cx="3492778" cy="495767"/>
+          </a:xfrm>
+          <a:prstGeom prst="straightConnector1">
+            <a:avLst/>
+          </a:prstGeom>
+          <a:ln>
+            <a:tailEnd type="triangle"/>
+          </a:ln>
+        </p:spPr>
+        <p:style>
+          <a:lnRef idx="2">
+            <a:schemeClr val="dk1"/>
+          </a:lnRef>
+          <a:fillRef idx="0">
+            <a:schemeClr val="dk1"/>
+          </a:fillRef>
+          <a:effectRef idx="1">
+            <a:schemeClr val="dk1"/>
+          </a:effectRef>
+          <a:fontRef idx="minor">
+            <a:schemeClr val="tx1"/>
+          </a:fontRef>
+        </p:style>
+      </p:cxnSp>
+      <p:cxnSp>
+        <p:nvCxnSpPr>
+          <p:cNvPr id="12" name="직선 화살표 연결선 11">
+            <a:extLst>
+              <a:ext uri="{FF2B5EF4-FFF2-40B4-BE49-F238E27FC236}">
+                <a16:creationId xmlns:a16="http://schemas.microsoft.com/office/drawing/2014/main" id="{979A7061-99E8-187E-CDD0-B7468C5F5F9B}"/>
+              </a:ext>
+            </a:extLst>
+          </p:cNvPr>
+          <p:cNvCxnSpPr>
+            <a:cxnSpLocks/>
+            <a:stCxn id="3" idx="2"/>
+            <a:endCxn id="7" idx="0"/>
+          </p:cNvCxnSpPr>
+          <p:nvPr/>
+        </p:nvCxnSpPr>
+        <p:spPr>
+          <a:xfrm flipH="1">
+            <a:off x="5541884" y="2412809"/>
+            <a:ext cx="1" cy="495768"/>
+          </a:xfrm>
+          <a:prstGeom prst="straightConnector1">
+            <a:avLst/>
+          </a:prstGeom>
+          <a:ln>
+            <a:tailEnd type="triangle"/>
+          </a:ln>
+        </p:spPr>
+        <p:style>
+          <a:lnRef idx="2">
+            <a:schemeClr val="dk1"/>
+          </a:lnRef>
+          <a:fillRef idx="0">
+            <a:schemeClr val="dk1"/>
+          </a:fillRef>
+          <a:effectRef idx="1">
+            <a:schemeClr val="dk1"/>
+          </a:effectRef>
+          <a:fontRef idx="minor">
+            <a:schemeClr val="tx1"/>
+          </a:fontRef>
+        </p:style>
+      </p:cxnSp>
+      <p:cxnSp>
+        <p:nvCxnSpPr>
+          <p:cNvPr id="16" name="직선 화살표 연결선 15">
+            <a:extLst>
+              <a:ext uri="{FF2B5EF4-FFF2-40B4-BE49-F238E27FC236}">
+                <a16:creationId xmlns:a16="http://schemas.microsoft.com/office/drawing/2014/main" id="{9729ADC8-EFF3-6699-8194-99FF61836EB1}"/>
+              </a:ext>
+            </a:extLst>
+          </p:cNvPr>
+          <p:cNvCxnSpPr>
+            <a:cxnSpLocks/>
+            <a:stCxn id="3" idx="2"/>
+            <a:endCxn id="8" idx="0"/>
+          </p:cNvCxnSpPr>
+          <p:nvPr/>
+        </p:nvCxnSpPr>
+        <p:spPr>
+          <a:xfrm>
+            <a:off x="5541885" y="2412809"/>
+            <a:ext cx="3236258" cy="495766"/>
+          </a:xfrm>
+          <a:prstGeom prst="straightConnector1">
+            <a:avLst/>
+          </a:prstGeom>
+          <a:ln>
+            <a:tailEnd type="triangle"/>
+          </a:ln>
+        </p:spPr>
+        <p:style>
+          <a:lnRef idx="2">
+            <a:schemeClr val="dk1"/>
+          </a:lnRef>
+          <a:fillRef idx="0">
+            <a:schemeClr val="dk1"/>
+          </a:fillRef>
+          <a:effectRef idx="1">
+            <a:schemeClr val="dk1"/>
+          </a:effectRef>
+          <a:fontRef idx="minor">
+            <a:schemeClr val="tx1"/>
+          </a:fontRef>
+        </p:style>
+      </p:cxnSp>
     </p:spTree>
     <p:extLst>
       <p:ext uri="{BB962C8B-B14F-4D97-AF65-F5344CB8AC3E}">
-        <p14:creationId xmlns:p14="http://schemas.microsoft.com/office/powerpoint/2010/main" val="582271907"/>
+        <p14:creationId xmlns:p14="http://schemas.microsoft.com/office/powerpoint/2010/main" val="3589945051"/>
       </p:ext>
     </p:extLst>
   </p:cSld>
@@ -4281,7 +6237,7 @@
 </p:sld>
 </file>
 
-<file path=ppt/slides/slide2.xml><?xml version="1.0" encoding="utf-8"?>
+<file path=ppt/slides/slide3.xml><?xml version="1.0" encoding="utf-8"?>
 <p:sld xmlns:a="http://schemas.openxmlformats.org/drawingml/2006/main" xmlns:r="http://schemas.openxmlformats.org/officeDocument/2006/relationships" xmlns:p="http://schemas.openxmlformats.org/presentationml/2006/main">
   <p:cSld>
     <p:spTree>
@@ -4289,7 +6245,7 @@
         <p:cNvPr id="1" name="">
           <a:extLst>
             <a:ext uri="{FF2B5EF4-FFF2-40B4-BE49-F238E27FC236}">
-              <a16:creationId xmlns:a16="http://schemas.microsoft.com/office/drawing/2014/main" id="{267C07CC-4007-C4F4-5FFF-1D25B9AE50AF}"/>
+              <a16:creationId xmlns:a16="http://schemas.microsoft.com/office/drawing/2014/main" id="{7D09658E-7E8D-B8F3-904F-3468245FC4A6}"/>
             </a:ext>
           </a:extLst>
         </p:cNvPr>
@@ -4306,10 +6262,1217 @@
       </p:grpSpPr>
       <p:sp>
         <p:nvSpPr>
+          <p:cNvPr id="8" name="직사각형 7">
+            <a:extLst>
+              <a:ext uri="{FF2B5EF4-FFF2-40B4-BE49-F238E27FC236}">
+                <a16:creationId xmlns:a16="http://schemas.microsoft.com/office/drawing/2014/main" id="{9A67BC65-2907-4E08-95C6-D05A0E70056D}"/>
+              </a:ext>
+            </a:extLst>
+          </p:cNvPr>
+          <p:cNvSpPr/>
+          <p:nvPr/>
+        </p:nvSpPr>
+        <p:spPr>
+          <a:xfrm>
+            <a:off x="5187195" y="201911"/>
+            <a:ext cx="1630325" cy="308344"/>
+          </a:xfrm>
+          <a:prstGeom prst="rect">
+            <a:avLst/>
+          </a:prstGeom>
+        </p:spPr>
+        <p:style>
+          <a:lnRef idx="2">
+            <a:schemeClr val="accent3"/>
+          </a:lnRef>
+          <a:fillRef idx="1">
+            <a:schemeClr val="lt1"/>
+          </a:fillRef>
+          <a:effectRef idx="0">
+            <a:schemeClr val="accent3"/>
+          </a:effectRef>
+          <a:fontRef idx="minor">
+            <a:schemeClr val="dk1"/>
+          </a:fontRef>
+        </p:style>
+        <p:txBody>
+          <a:bodyPr rtlCol="0" anchor="ctr"/>
+          <a:lstStyle/>
+          <a:p>
+            <a:pPr algn="ctr"/>
+            <a:r>
+              <a:rPr lang="en-US" altLang="ko-KR" dirty="0" err="1">
+                <a:solidFill>
+                  <a:schemeClr val="accent3"/>
+                </a:solidFill>
+              </a:rPr>
+              <a:t>MainInterface</a:t>
+            </a:r>
+            <a:endParaRPr lang="ko-KR" altLang="en-US" dirty="0">
+              <a:solidFill>
+                <a:schemeClr val="accent3"/>
+              </a:solidFill>
+            </a:endParaRPr>
+          </a:p>
+        </p:txBody>
+      </p:sp>
+      <p:sp>
+        <p:nvSpPr>
+          <p:cNvPr id="9" name="직사각형 8">
+            <a:extLst>
+              <a:ext uri="{FF2B5EF4-FFF2-40B4-BE49-F238E27FC236}">
+                <a16:creationId xmlns:a16="http://schemas.microsoft.com/office/drawing/2014/main" id="{642D4B58-7768-ACAE-D2E6-D1B96A8767AA}"/>
+              </a:ext>
+            </a:extLst>
+          </p:cNvPr>
+          <p:cNvSpPr/>
+          <p:nvPr/>
+        </p:nvSpPr>
+        <p:spPr>
+          <a:xfrm>
+            <a:off x="3314699" y="605118"/>
+            <a:ext cx="2499346" cy="3103152"/>
+          </a:xfrm>
+          <a:prstGeom prst="rect">
+            <a:avLst/>
+          </a:prstGeom>
+        </p:spPr>
+        <p:style>
+          <a:lnRef idx="2">
+            <a:schemeClr val="accent3"/>
+          </a:lnRef>
+          <a:fillRef idx="1">
+            <a:schemeClr val="lt1"/>
+          </a:fillRef>
+          <a:effectRef idx="0">
+            <a:schemeClr val="accent3"/>
+          </a:effectRef>
+          <a:fontRef idx="minor">
+            <a:schemeClr val="dk1"/>
+          </a:fontRef>
+        </p:style>
+        <p:txBody>
+          <a:bodyPr rtlCol="0" anchor="ctr"/>
+          <a:lstStyle/>
+          <a:p>
+            <a:pPr algn="ctr"/>
+            <a:r>
+              <a:rPr lang="en-US" altLang="ko-KR" dirty="0" err="1">
+                <a:solidFill>
+                  <a:schemeClr val="accent3"/>
+                </a:solidFill>
+              </a:rPr>
+              <a:t>MainViewInterface</a:t>
+            </a:r>
+            <a:endParaRPr lang="en-US" altLang="ko-KR" dirty="0">
+              <a:solidFill>
+                <a:schemeClr val="accent3"/>
+              </a:solidFill>
+            </a:endParaRPr>
+          </a:p>
+          <a:p>
+            <a:pPr algn="ctr"/>
+            <a:endParaRPr lang="en-US" altLang="ko-KR" sz="1400" dirty="0">
+              <a:solidFill>
+                <a:schemeClr val="accent3"/>
+              </a:solidFill>
+            </a:endParaRPr>
+          </a:p>
+          <a:p>
+            <a:pPr algn="ctr"/>
+            <a:r>
+              <a:rPr lang="en-US" altLang="ko-KR" sz="1400" dirty="0" err="1"/>
+              <a:t>showTextEditor</a:t>
+            </a:r>
+            <a:r>
+              <a:rPr lang="en-US" altLang="ko-KR" sz="1400" dirty="0"/>
+              <a:t>(String)</a:t>
+            </a:r>
+          </a:p>
+          <a:p>
+            <a:pPr algn="ctr"/>
+            <a:r>
+              <a:rPr lang="en-US" altLang="ko-KR" sz="1400" dirty="0" err="1"/>
+              <a:t>getTextEditor</a:t>
+            </a:r>
+            <a:r>
+              <a:rPr lang="en-US" altLang="ko-KR" sz="1400" dirty="0"/>
+              <a:t>() : String</a:t>
+            </a:r>
+          </a:p>
+          <a:p>
+            <a:pPr algn="ctr"/>
+            <a:endParaRPr lang="en-US" altLang="ko-KR" sz="1400" dirty="0"/>
+          </a:p>
+          <a:p>
+            <a:pPr algn="ctr"/>
+            <a:r>
+              <a:rPr lang="en-US" altLang="ko-KR" sz="1400" dirty="0" err="1"/>
+              <a:t>showResult</a:t>
+            </a:r>
+            <a:r>
+              <a:rPr lang="en-US" altLang="ko-KR" sz="1400" dirty="0"/>
+              <a:t>(String)</a:t>
+            </a:r>
+          </a:p>
+          <a:p>
+            <a:pPr algn="ctr"/>
+            <a:r>
+              <a:rPr lang="en-US" altLang="ko-KR" sz="1400" dirty="0" err="1"/>
+              <a:t>getResult</a:t>
+            </a:r>
+            <a:r>
+              <a:rPr lang="en-US" altLang="ko-KR" sz="1400" dirty="0"/>
+              <a:t>() : String</a:t>
+            </a:r>
+          </a:p>
+          <a:p>
+            <a:pPr algn="ctr"/>
+            <a:endParaRPr lang="en-US" altLang="ko-KR" sz="1400" dirty="0"/>
+          </a:p>
+          <a:p>
+            <a:pPr algn="ctr"/>
+            <a:r>
+              <a:rPr lang="en-US" altLang="ko-KR" sz="1400" dirty="0" err="1"/>
+              <a:t>showOpenTextField</a:t>
+            </a:r>
+            <a:r>
+              <a:rPr lang="en-US" altLang="ko-KR" sz="1400" dirty="0"/>
+              <a:t>(String)</a:t>
+            </a:r>
+          </a:p>
+          <a:p>
+            <a:pPr algn="ctr"/>
+            <a:r>
+              <a:rPr lang="en-US" altLang="ko-KR" sz="1400" dirty="0" err="1"/>
+              <a:t>getOpenTextField</a:t>
+            </a:r>
+            <a:r>
+              <a:rPr lang="en-US" altLang="ko-KR" sz="1400" dirty="0"/>
+              <a:t>() : String</a:t>
+            </a:r>
+          </a:p>
+          <a:p>
+            <a:pPr algn="ctr"/>
+            <a:endParaRPr lang="en-US" altLang="ko-KR" sz="1400" dirty="0"/>
+          </a:p>
+          <a:p>
+            <a:pPr algn="ctr"/>
+            <a:r>
+              <a:rPr lang="en-US" altLang="ko-KR" sz="1400" dirty="0" err="1"/>
+              <a:t>ShowSaveTextField</a:t>
+            </a:r>
+            <a:r>
+              <a:rPr lang="en-US" altLang="ko-KR" sz="1400" dirty="0"/>
+              <a:t>(String)</a:t>
+            </a:r>
+          </a:p>
+          <a:p>
+            <a:pPr algn="ctr"/>
+            <a:r>
+              <a:rPr lang="en-US" altLang="ko-KR" sz="1400" dirty="0" err="1"/>
+              <a:t>getSaveTextField</a:t>
+            </a:r>
+            <a:r>
+              <a:rPr lang="en-US" altLang="ko-KR" sz="1400" dirty="0"/>
+              <a:t>() : String</a:t>
+            </a:r>
+          </a:p>
+        </p:txBody>
+      </p:sp>
+      <p:sp>
+        <p:nvSpPr>
+          <p:cNvPr id="10" name="직사각형 9">
+            <a:extLst>
+              <a:ext uri="{FF2B5EF4-FFF2-40B4-BE49-F238E27FC236}">
+                <a16:creationId xmlns:a16="http://schemas.microsoft.com/office/drawing/2014/main" id="{1336C1F6-2B50-F5F2-3363-5CC474DC4C6A}"/>
+              </a:ext>
+            </a:extLst>
+          </p:cNvPr>
+          <p:cNvSpPr/>
+          <p:nvPr/>
+        </p:nvSpPr>
+        <p:spPr>
+          <a:xfrm>
+            <a:off x="6377956" y="605118"/>
+            <a:ext cx="2893791" cy="3103152"/>
+          </a:xfrm>
+          <a:prstGeom prst="rect">
+            <a:avLst/>
+          </a:prstGeom>
+        </p:spPr>
+        <p:style>
+          <a:lnRef idx="2">
+            <a:schemeClr val="accent3"/>
+          </a:lnRef>
+          <a:fillRef idx="1">
+            <a:schemeClr val="lt1"/>
+          </a:fillRef>
+          <a:effectRef idx="0">
+            <a:schemeClr val="accent3"/>
+          </a:effectRef>
+          <a:fontRef idx="minor">
+            <a:schemeClr val="dk1"/>
+          </a:fontRef>
+        </p:style>
+        <p:txBody>
+          <a:bodyPr rtlCol="0" anchor="ctr"/>
+          <a:lstStyle/>
+          <a:p>
+            <a:pPr algn="ctr"/>
+            <a:r>
+              <a:rPr lang="en-US" altLang="ko-KR" dirty="0" err="1">
+                <a:solidFill>
+                  <a:schemeClr val="accent3"/>
+                </a:solidFill>
+              </a:rPr>
+              <a:t>MainPresenterInterface</a:t>
+            </a:r>
+            <a:endParaRPr lang="en-US" altLang="ko-KR" dirty="0">
+              <a:solidFill>
+                <a:schemeClr val="accent3"/>
+              </a:solidFill>
+            </a:endParaRPr>
+          </a:p>
+          <a:p>
+            <a:pPr algn="ctr"/>
+            <a:endParaRPr lang="en-US" altLang="ko-KR" dirty="0">
+              <a:solidFill>
+                <a:schemeClr val="accent3"/>
+              </a:solidFill>
+            </a:endParaRPr>
+          </a:p>
+          <a:p>
+            <a:pPr algn="ctr"/>
+            <a:r>
+              <a:rPr lang="en-US" altLang="ko-KR" dirty="0" err="1">
+                <a:solidFill>
+                  <a:schemeClr val="tx1"/>
+                </a:solidFill>
+              </a:rPr>
+              <a:t>saveButtonClicked</a:t>
+            </a:r>
+            <a:r>
+              <a:rPr lang="en-US" altLang="ko-KR" dirty="0">
+                <a:solidFill>
+                  <a:schemeClr val="tx1"/>
+                </a:solidFill>
+              </a:rPr>
+              <a:t>()</a:t>
+            </a:r>
+          </a:p>
+          <a:p>
+            <a:pPr algn="ctr"/>
+            <a:r>
+              <a:rPr lang="en-US" altLang="ko-KR" dirty="0" err="1">
+                <a:solidFill>
+                  <a:schemeClr val="tx1"/>
+                </a:solidFill>
+              </a:rPr>
+              <a:t>openButtonClicked</a:t>
+            </a:r>
+            <a:r>
+              <a:rPr lang="en-US" altLang="ko-KR" dirty="0">
+                <a:solidFill>
+                  <a:schemeClr val="tx1"/>
+                </a:solidFill>
+              </a:rPr>
+              <a:t>()</a:t>
+            </a:r>
+          </a:p>
+          <a:p>
+            <a:pPr algn="ctr"/>
+            <a:r>
+              <a:rPr lang="en-US" altLang="ko-KR" dirty="0" err="1">
+                <a:solidFill>
+                  <a:schemeClr val="tx1"/>
+                </a:solidFill>
+              </a:rPr>
+              <a:t>clearButtonClicked</a:t>
+            </a:r>
+            <a:r>
+              <a:rPr lang="en-US" altLang="ko-KR" dirty="0">
+                <a:solidFill>
+                  <a:schemeClr val="tx1"/>
+                </a:solidFill>
+              </a:rPr>
+              <a:t>()</a:t>
+            </a:r>
+          </a:p>
+          <a:p>
+            <a:pPr algn="ctr"/>
+            <a:r>
+              <a:rPr lang="en-US" altLang="ko-KR" dirty="0" err="1">
+                <a:solidFill>
+                  <a:schemeClr val="tx1"/>
+                </a:solidFill>
+              </a:rPr>
+              <a:t>compileButtonClicked</a:t>
+            </a:r>
+            <a:r>
+              <a:rPr lang="en-US" altLang="ko-KR" dirty="0">
+                <a:solidFill>
+                  <a:schemeClr val="tx1"/>
+                </a:solidFill>
+              </a:rPr>
+              <a:t>()</a:t>
+            </a:r>
+          </a:p>
+          <a:p>
+            <a:pPr algn="ctr"/>
+            <a:r>
+              <a:rPr lang="en-US" altLang="ko-KR" dirty="0" err="1">
+                <a:solidFill>
+                  <a:schemeClr val="tx1"/>
+                </a:solidFill>
+              </a:rPr>
+              <a:t>deleteButtonClicked</a:t>
+            </a:r>
+            <a:r>
+              <a:rPr lang="en-US" altLang="ko-KR" dirty="0">
+                <a:solidFill>
+                  <a:schemeClr val="tx1"/>
+                </a:solidFill>
+              </a:rPr>
+              <a:t>()</a:t>
+            </a:r>
+          </a:p>
+          <a:p>
+            <a:pPr algn="ctr"/>
+            <a:r>
+              <a:rPr lang="en-US" altLang="ko-KR" dirty="0" err="1">
+                <a:solidFill>
+                  <a:schemeClr val="tx1"/>
+                </a:solidFill>
+              </a:rPr>
+              <a:t>errorSaveButtonClicked</a:t>
+            </a:r>
+            <a:r>
+              <a:rPr lang="en-US" altLang="ko-KR" dirty="0">
+                <a:solidFill>
+                  <a:schemeClr val="tx1"/>
+                </a:solidFill>
+              </a:rPr>
+              <a:t>()</a:t>
+            </a:r>
+            <a:endParaRPr lang="ko-KR" altLang="en-US" dirty="0">
+              <a:solidFill>
+                <a:schemeClr val="tx1"/>
+              </a:solidFill>
+            </a:endParaRPr>
+          </a:p>
+        </p:txBody>
+      </p:sp>
+      <p:grpSp>
+        <p:nvGrpSpPr>
+          <p:cNvPr id="18" name="그룹 17">
+            <a:extLst>
+              <a:ext uri="{FF2B5EF4-FFF2-40B4-BE49-F238E27FC236}">
+                <a16:creationId xmlns:a16="http://schemas.microsoft.com/office/drawing/2014/main" id="{7B3FD37F-8676-3F0C-C978-E47BB7B4C51C}"/>
+              </a:ext>
+            </a:extLst>
+          </p:cNvPr>
+          <p:cNvGrpSpPr/>
+          <p:nvPr/>
+        </p:nvGrpSpPr>
+        <p:grpSpPr>
+          <a:xfrm>
+            <a:off x="1433430" y="3977055"/>
+            <a:ext cx="4380615" cy="2234549"/>
+            <a:chOff x="595422" y="4272577"/>
+            <a:chExt cx="4380615" cy="2234549"/>
+          </a:xfrm>
+        </p:grpSpPr>
+        <p:sp>
+          <p:nvSpPr>
+            <p:cNvPr id="4" name="직사각형 3">
+              <a:extLst>
+                <a:ext uri="{FF2B5EF4-FFF2-40B4-BE49-F238E27FC236}">
+                  <a16:creationId xmlns:a16="http://schemas.microsoft.com/office/drawing/2014/main" id="{B84E7769-4656-C5CD-AC42-9007CF04B89A}"/>
+                </a:ext>
+              </a:extLst>
+            </p:cNvPr>
+            <p:cNvSpPr/>
+            <p:nvPr/>
+          </p:nvSpPr>
+          <p:spPr>
+            <a:xfrm>
+              <a:off x="595422" y="4272577"/>
+              <a:ext cx="4380615" cy="2234549"/>
+            </a:xfrm>
+            <a:prstGeom prst="rect">
+              <a:avLst/>
+            </a:prstGeom>
+          </p:spPr>
+          <p:style>
+            <a:lnRef idx="2">
+              <a:schemeClr val="accent4"/>
+            </a:lnRef>
+            <a:fillRef idx="1">
+              <a:schemeClr val="lt1"/>
+            </a:fillRef>
+            <a:effectRef idx="0">
+              <a:schemeClr val="accent4"/>
+            </a:effectRef>
+            <a:fontRef idx="minor">
+              <a:schemeClr val="dk1"/>
+            </a:fontRef>
+          </p:style>
+          <p:txBody>
+            <a:bodyPr rtlCol="0" anchor="ctr"/>
+            <a:lstStyle/>
+            <a:p>
+              <a:pPr algn="ctr"/>
+              <a:r>
+                <a:rPr lang="en-US" altLang="ko-KR" dirty="0" err="1">
+                  <a:solidFill>
+                    <a:schemeClr val="accent1"/>
+                  </a:solidFill>
+                </a:rPr>
+                <a:t>MainPanel</a:t>
+              </a:r>
+              <a:endParaRPr lang="en-US" altLang="ko-KR" dirty="0">
+                <a:solidFill>
+                  <a:schemeClr val="accent1"/>
+                </a:solidFill>
+              </a:endParaRPr>
+            </a:p>
+            <a:p>
+              <a:pPr algn="ctr"/>
+              <a:endParaRPr lang="en-US" altLang="ko-KR" dirty="0">
+                <a:solidFill>
+                  <a:schemeClr val="accent1"/>
+                </a:solidFill>
+              </a:endParaRPr>
+            </a:p>
+            <a:p>
+              <a:pPr algn="ctr"/>
+              <a:endParaRPr lang="en-US" altLang="ko-KR" dirty="0">
+                <a:solidFill>
+                  <a:schemeClr val="accent1"/>
+                </a:solidFill>
+              </a:endParaRPr>
+            </a:p>
+            <a:p>
+              <a:pPr algn="ctr"/>
+              <a:endParaRPr lang="en-US" altLang="ko-KR" dirty="0">
+                <a:solidFill>
+                  <a:schemeClr val="accent1"/>
+                </a:solidFill>
+              </a:endParaRPr>
+            </a:p>
+            <a:p>
+              <a:pPr algn="ctr"/>
+              <a:endParaRPr lang="en-US" altLang="ko-KR" dirty="0">
+                <a:solidFill>
+                  <a:schemeClr val="accent1"/>
+                </a:solidFill>
+              </a:endParaRPr>
+            </a:p>
+            <a:p>
+              <a:pPr algn="ctr"/>
+              <a:endParaRPr lang="en-US" altLang="ko-KR" dirty="0">
+                <a:solidFill>
+                  <a:schemeClr val="accent1"/>
+                </a:solidFill>
+              </a:endParaRPr>
+            </a:p>
+            <a:p>
+              <a:pPr algn="ctr"/>
+              <a:endParaRPr lang="ko-KR" altLang="en-US" dirty="0">
+                <a:solidFill>
+                  <a:schemeClr val="accent1"/>
+                </a:solidFill>
+              </a:endParaRPr>
+            </a:p>
+          </p:txBody>
+        </p:sp>
+        <p:sp>
+          <p:nvSpPr>
+            <p:cNvPr id="14" name="직사각형 13">
+              <a:extLst>
+                <a:ext uri="{FF2B5EF4-FFF2-40B4-BE49-F238E27FC236}">
+                  <a16:creationId xmlns:a16="http://schemas.microsoft.com/office/drawing/2014/main" id="{BD099093-0BF7-6309-7E39-AD790FB91243}"/>
+                </a:ext>
+              </a:extLst>
+            </p:cNvPr>
+            <p:cNvSpPr/>
+            <p:nvPr/>
+          </p:nvSpPr>
+          <p:spPr>
+            <a:xfrm>
+              <a:off x="765248" y="4907252"/>
+              <a:ext cx="1849223" cy="1339702"/>
+            </a:xfrm>
+            <a:prstGeom prst="rect">
+              <a:avLst/>
+            </a:prstGeom>
+          </p:spPr>
+          <p:style>
+            <a:lnRef idx="2">
+              <a:schemeClr val="accent4"/>
+            </a:lnRef>
+            <a:fillRef idx="1">
+              <a:schemeClr val="lt1"/>
+            </a:fillRef>
+            <a:effectRef idx="0">
+              <a:schemeClr val="accent4"/>
+            </a:effectRef>
+            <a:fontRef idx="minor">
+              <a:schemeClr val="dk1"/>
+            </a:fontRef>
+          </p:style>
+          <p:txBody>
+            <a:bodyPr rtlCol="0" anchor="ctr"/>
+            <a:lstStyle/>
+            <a:p>
+              <a:pPr algn="ctr"/>
+              <a:r>
+                <a:rPr lang="en-US" altLang="ko-KR" dirty="0" err="1">
+                  <a:solidFill>
+                    <a:schemeClr val="accent1"/>
+                  </a:solidFill>
+                </a:rPr>
+                <a:t>TextEditorView</a:t>
+              </a:r>
+              <a:endParaRPr lang="en-US" altLang="ko-KR" dirty="0">
+                <a:solidFill>
+                  <a:schemeClr val="accent1"/>
+                </a:solidFill>
+              </a:endParaRPr>
+            </a:p>
+            <a:p>
+              <a:pPr algn="ctr"/>
+              <a:endParaRPr lang="en-US" altLang="ko-KR" dirty="0">
+                <a:solidFill>
+                  <a:schemeClr val="accent1"/>
+                </a:solidFill>
+              </a:endParaRPr>
+            </a:p>
+            <a:p>
+              <a:pPr algn="ctr"/>
+              <a:r>
+                <a:rPr lang="en-US" altLang="ko-KR" sz="1400" dirty="0" err="1">
+                  <a:solidFill>
+                    <a:schemeClr val="tx1"/>
+                  </a:solidFill>
+                </a:rPr>
+                <a:t>textArea</a:t>
+              </a:r>
+              <a:r>
+                <a:rPr lang="en-US" altLang="ko-KR" sz="1400" dirty="0">
+                  <a:solidFill>
+                    <a:schemeClr val="tx1"/>
+                  </a:solidFill>
+                </a:rPr>
+                <a:t> : </a:t>
+              </a:r>
+              <a:r>
+                <a:rPr lang="en-US" altLang="ko-KR" sz="1400" dirty="0" err="1">
+                  <a:solidFill>
+                    <a:schemeClr val="tx1"/>
+                  </a:solidFill>
+                </a:rPr>
+                <a:t>JTextArea</a:t>
+              </a:r>
+              <a:endParaRPr lang="en-US" altLang="ko-KR" dirty="0">
+                <a:solidFill>
+                  <a:schemeClr val="accent1"/>
+                </a:solidFill>
+              </a:endParaRPr>
+            </a:p>
+            <a:p>
+              <a:pPr algn="ctr"/>
+              <a:endParaRPr lang="ko-KR" altLang="en-US" dirty="0">
+                <a:solidFill>
+                  <a:schemeClr val="accent1"/>
+                </a:solidFill>
+              </a:endParaRPr>
+            </a:p>
+          </p:txBody>
+        </p:sp>
+        <p:sp>
+          <p:nvSpPr>
+            <p:cNvPr id="15" name="직사각형 14">
+              <a:extLst>
+                <a:ext uri="{FF2B5EF4-FFF2-40B4-BE49-F238E27FC236}">
+                  <a16:creationId xmlns:a16="http://schemas.microsoft.com/office/drawing/2014/main" id="{62D04066-1F0F-75BA-6568-24CF8A8A21FD}"/>
+                </a:ext>
+              </a:extLst>
+            </p:cNvPr>
+            <p:cNvSpPr/>
+            <p:nvPr/>
+          </p:nvSpPr>
+          <p:spPr>
+            <a:xfrm>
+              <a:off x="2876528" y="4904582"/>
+              <a:ext cx="1910740" cy="1339703"/>
+            </a:xfrm>
+            <a:prstGeom prst="rect">
+              <a:avLst/>
+            </a:prstGeom>
+          </p:spPr>
+          <p:style>
+            <a:lnRef idx="2">
+              <a:schemeClr val="accent4"/>
+            </a:lnRef>
+            <a:fillRef idx="1">
+              <a:schemeClr val="lt1"/>
+            </a:fillRef>
+            <a:effectRef idx="0">
+              <a:schemeClr val="accent4"/>
+            </a:effectRef>
+            <a:fontRef idx="minor">
+              <a:schemeClr val="dk1"/>
+            </a:fontRef>
+          </p:style>
+          <p:txBody>
+            <a:bodyPr rtlCol="0" anchor="ctr"/>
+            <a:lstStyle/>
+            <a:p>
+              <a:pPr algn="ctr"/>
+              <a:r>
+                <a:rPr lang="en-US" altLang="ko-KR" dirty="0" err="1">
+                  <a:solidFill>
+                    <a:schemeClr val="accent1"/>
+                  </a:solidFill>
+                </a:rPr>
+                <a:t>ResultView</a:t>
+              </a:r>
+              <a:endParaRPr lang="en-US" altLang="ko-KR" dirty="0">
+                <a:solidFill>
+                  <a:schemeClr val="accent1"/>
+                </a:solidFill>
+              </a:endParaRPr>
+            </a:p>
+            <a:p>
+              <a:pPr algn="ctr"/>
+              <a:endParaRPr lang="en-US" altLang="ko-KR" dirty="0">
+                <a:solidFill>
+                  <a:schemeClr val="accent1"/>
+                </a:solidFill>
+              </a:endParaRPr>
+            </a:p>
+            <a:p>
+              <a:pPr algn="ctr"/>
+              <a:r>
+                <a:rPr lang="en-US" altLang="ko-KR" sz="1400" dirty="0" err="1">
+                  <a:solidFill>
+                    <a:schemeClr val="tx1"/>
+                  </a:solidFill>
+                </a:rPr>
+                <a:t>resultArea</a:t>
+              </a:r>
+              <a:r>
+                <a:rPr lang="en-US" altLang="ko-KR" sz="1400" dirty="0">
+                  <a:solidFill>
+                    <a:schemeClr val="tx1"/>
+                  </a:solidFill>
+                </a:rPr>
+                <a:t> : </a:t>
+              </a:r>
+              <a:r>
+                <a:rPr lang="en-US" altLang="ko-KR" sz="1400" dirty="0" err="1">
+                  <a:solidFill>
+                    <a:schemeClr val="tx1"/>
+                  </a:solidFill>
+                </a:rPr>
+                <a:t>JTextArea</a:t>
+              </a:r>
+              <a:endParaRPr lang="en-US" altLang="ko-KR" sz="1400" dirty="0">
+                <a:solidFill>
+                  <a:schemeClr val="tx1"/>
+                </a:solidFill>
+              </a:endParaRPr>
+            </a:p>
+            <a:p>
+              <a:pPr algn="ctr"/>
+              <a:endParaRPr lang="en-US" altLang="ko-KR" dirty="0">
+                <a:solidFill>
+                  <a:schemeClr val="accent1"/>
+                </a:solidFill>
+              </a:endParaRPr>
+            </a:p>
+          </p:txBody>
+        </p:sp>
+      </p:grpSp>
+      <p:grpSp>
+        <p:nvGrpSpPr>
+          <p:cNvPr id="2" name="그룹 1">
+            <a:extLst>
+              <a:ext uri="{FF2B5EF4-FFF2-40B4-BE49-F238E27FC236}">
+                <a16:creationId xmlns:a16="http://schemas.microsoft.com/office/drawing/2014/main" id="{C333B997-C449-01C3-9E17-EDA3BFC7F49C}"/>
+              </a:ext>
+            </a:extLst>
+          </p:cNvPr>
+          <p:cNvGrpSpPr/>
+          <p:nvPr/>
+        </p:nvGrpSpPr>
+        <p:grpSpPr>
+          <a:xfrm>
+            <a:off x="6377956" y="3977055"/>
+            <a:ext cx="3491527" cy="2234548"/>
+            <a:chOff x="4924458" y="3942968"/>
+            <a:chExt cx="3491527" cy="1828800"/>
+          </a:xfrm>
+        </p:grpSpPr>
+        <p:sp>
+          <p:nvSpPr>
+            <p:cNvPr id="13" name="직사각형 12">
+              <a:extLst>
+                <a:ext uri="{FF2B5EF4-FFF2-40B4-BE49-F238E27FC236}">
+                  <a16:creationId xmlns:a16="http://schemas.microsoft.com/office/drawing/2014/main" id="{AF5BF20D-2B59-4068-9052-2AD2AFA897D0}"/>
+                </a:ext>
+              </a:extLst>
+            </p:cNvPr>
+            <p:cNvSpPr/>
+            <p:nvPr/>
+          </p:nvSpPr>
+          <p:spPr>
+            <a:xfrm>
+              <a:off x="4924458" y="3942968"/>
+              <a:ext cx="3491527" cy="1828800"/>
+            </a:xfrm>
+            <a:prstGeom prst="rect">
+              <a:avLst/>
+            </a:prstGeom>
+          </p:spPr>
+          <p:style>
+            <a:lnRef idx="2">
+              <a:schemeClr val="accent4"/>
+            </a:lnRef>
+            <a:fillRef idx="1">
+              <a:schemeClr val="lt1"/>
+            </a:fillRef>
+            <a:effectRef idx="0">
+              <a:schemeClr val="accent4"/>
+            </a:effectRef>
+            <a:fontRef idx="minor">
+              <a:schemeClr val="dk1"/>
+            </a:fontRef>
+          </p:style>
+          <p:txBody>
+            <a:bodyPr rtlCol="0" anchor="ctr"/>
+            <a:lstStyle/>
+            <a:p>
+              <a:pPr algn="ctr"/>
+              <a:r>
+                <a:rPr lang="en-US" altLang="ko-KR" dirty="0" err="1">
+                  <a:solidFill>
+                    <a:schemeClr val="accent1"/>
+                  </a:solidFill>
+                </a:rPr>
+                <a:t>MainPresenter</a:t>
+              </a:r>
+              <a:endParaRPr lang="en-US" altLang="ko-KR" dirty="0">
+                <a:solidFill>
+                  <a:schemeClr val="accent1"/>
+                </a:solidFill>
+              </a:endParaRPr>
+            </a:p>
+            <a:p>
+              <a:pPr algn="ctr"/>
+              <a:endParaRPr lang="en-US" altLang="ko-KR" dirty="0">
+                <a:solidFill>
+                  <a:schemeClr val="accent1"/>
+                </a:solidFill>
+              </a:endParaRPr>
+            </a:p>
+            <a:p>
+              <a:pPr algn="ctr"/>
+              <a:endParaRPr lang="en-US" altLang="ko-KR" dirty="0">
+                <a:solidFill>
+                  <a:schemeClr val="accent1"/>
+                </a:solidFill>
+              </a:endParaRPr>
+            </a:p>
+            <a:p>
+              <a:pPr algn="ctr"/>
+              <a:endParaRPr lang="en-US" altLang="ko-KR" dirty="0">
+                <a:solidFill>
+                  <a:schemeClr val="accent1"/>
+                </a:solidFill>
+              </a:endParaRPr>
+            </a:p>
+            <a:p>
+              <a:pPr algn="ctr"/>
+              <a:endParaRPr lang="en-US" altLang="ko-KR" dirty="0">
+                <a:solidFill>
+                  <a:schemeClr val="accent1"/>
+                </a:solidFill>
+              </a:endParaRPr>
+            </a:p>
+            <a:p>
+              <a:pPr algn="ctr"/>
+              <a:endParaRPr lang="en-US" altLang="ko-KR" dirty="0">
+                <a:solidFill>
+                  <a:schemeClr val="accent1"/>
+                </a:solidFill>
+              </a:endParaRPr>
+            </a:p>
+            <a:p>
+              <a:pPr algn="ctr"/>
+              <a:endParaRPr lang="ko-KR" altLang="en-US" dirty="0">
+                <a:solidFill>
+                  <a:schemeClr val="accent1"/>
+                </a:solidFill>
+              </a:endParaRPr>
+            </a:p>
+          </p:txBody>
+        </p:sp>
+        <p:sp>
+          <p:nvSpPr>
+            <p:cNvPr id="16" name="직사각형 15">
+              <a:extLst>
+                <a:ext uri="{FF2B5EF4-FFF2-40B4-BE49-F238E27FC236}">
+                  <a16:creationId xmlns:a16="http://schemas.microsoft.com/office/drawing/2014/main" id="{91403331-A63F-DE08-0DB8-0E485F639DC5}"/>
+                </a:ext>
+              </a:extLst>
+            </p:cNvPr>
+            <p:cNvSpPr/>
+            <p:nvPr/>
+          </p:nvSpPr>
+          <p:spPr>
+            <a:xfrm>
+              <a:off x="5281048" y="4666837"/>
+              <a:ext cx="2778346" cy="786809"/>
+            </a:xfrm>
+            <a:prstGeom prst="rect">
+              <a:avLst/>
+            </a:prstGeom>
+          </p:spPr>
+          <p:style>
+            <a:lnRef idx="2">
+              <a:schemeClr val="accent4"/>
+            </a:lnRef>
+            <a:fillRef idx="1">
+              <a:schemeClr val="lt1"/>
+            </a:fillRef>
+            <a:effectRef idx="0">
+              <a:schemeClr val="accent4"/>
+            </a:effectRef>
+            <a:fontRef idx="minor">
+              <a:schemeClr val="dk1"/>
+            </a:fontRef>
+          </p:style>
+          <p:txBody>
+            <a:bodyPr rtlCol="0" anchor="ctr"/>
+            <a:lstStyle/>
+            <a:p>
+              <a:pPr algn="ctr"/>
+              <a:r>
+                <a:rPr lang="en-US" altLang="ko-KR" dirty="0" err="1">
+                  <a:solidFill>
+                    <a:schemeClr val="accent1"/>
+                  </a:solidFill>
+                </a:rPr>
+                <a:t>ButtonPanelEventListner</a:t>
+              </a:r>
+              <a:endParaRPr lang="en-US" altLang="ko-KR" dirty="0">
+                <a:solidFill>
+                  <a:schemeClr val="accent1"/>
+                </a:solidFill>
+              </a:endParaRPr>
+            </a:p>
+            <a:p>
+              <a:pPr algn="ctr"/>
+              <a:endParaRPr lang="en-US" altLang="ko-KR" sz="1000" dirty="0">
+                <a:solidFill>
+                  <a:schemeClr val="accent1"/>
+                </a:solidFill>
+              </a:endParaRPr>
+            </a:p>
+            <a:p>
+              <a:pPr algn="ctr"/>
+              <a:r>
+                <a:rPr lang="en-US" altLang="ko-KR" sz="1400" dirty="0" err="1">
+                  <a:solidFill>
+                    <a:schemeClr val="tx1"/>
+                  </a:solidFill>
+                </a:rPr>
+                <a:t>actionPerformed</a:t>
+              </a:r>
+              <a:r>
+                <a:rPr lang="en-US" altLang="ko-KR" sz="1400" dirty="0">
+                  <a:solidFill>
+                    <a:schemeClr val="tx1"/>
+                  </a:solidFill>
+                </a:rPr>
+                <a:t>()</a:t>
+              </a:r>
+            </a:p>
+          </p:txBody>
+        </p:sp>
+      </p:grpSp>
+      <p:sp>
+        <p:nvSpPr>
+          <p:cNvPr id="5" name="TextBox 4">
+            <a:extLst>
+              <a:ext uri="{FF2B5EF4-FFF2-40B4-BE49-F238E27FC236}">
+                <a16:creationId xmlns:a16="http://schemas.microsoft.com/office/drawing/2014/main" id="{C2B17C0C-07BC-71C5-F423-32EE818C0912}"/>
+              </a:ext>
+            </a:extLst>
+          </p:cNvPr>
+          <p:cNvSpPr txBox="1"/>
+          <p:nvPr/>
+        </p:nvSpPr>
+        <p:spPr>
+          <a:xfrm>
+            <a:off x="444984" y="891452"/>
+            <a:ext cx="2731056" cy="461665"/>
+          </a:xfrm>
+          <a:prstGeom prst="rect">
+            <a:avLst/>
+          </a:prstGeom>
+          <a:noFill/>
+        </p:spPr>
+        <p:txBody>
+          <a:bodyPr wrap="square" rtlCol="0">
+            <a:spAutoFit/>
+          </a:bodyPr>
+          <a:lstStyle/>
+          <a:p>
+            <a:r>
+              <a:rPr lang="en-US" altLang="ko-KR" sz="1200" dirty="0"/>
+              <a:t>show : </a:t>
+            </a:r>
+            <a:r>
+              <a:rPr lang="ko-KR" altLang="en-US" sz="1200" dirty="0"/>
+              <a:t>각 패널에 스트링을 출력</a:t>
+            </a:r>
+            <a:endParaRPr lang="en-US" altLang="ko-KR" sz="1200" dirty="0"/>
+          </a:p>
+          <a:p>
+            <a:r>
+              <a:rPr lang="en-US" altLang="ko-KR" sz="1200" dirty="0"/>
+              <a:t>get</a:t>
+            </a:r>
+            <a:r>
+              <a:rPr lang="ko-KR" altLang="en-US" sz="1200" dirty="0"/>
+              <a:t> </a:t>
+            </a:r>
+            <a:r>
+              <a:rPr lang="en-US" altLang="ko-KR" sz="1200" dirty="0"/>
+              <a:t>: </a:t>
+            </a:r>
+            <a:r>
+              <a:rPr lang="ko-KR" altLang="en-US" sz="1200" dirty="0"/>
+              <a:t>각 패널에 있는 텍스트를 리턴 </a:t>
+            </a:r>
+            <a:r>
+              <a:rPr lang="en-US" altLang="ko-KR" sz="1200" dirty="0"/>
+              <a:t> </a:t>
+            </a:r>
+            <a:endParaRPr lang="ko-KR" altLang="en-US" sz="1200" dirty="0"/>
+          </a:p>
+        </p:txBody>
+      </p:sp>
+      <p:sp>
+        <p:nvSpPr>
+          <p:cNvPr id="6" name="TextBox 5">
+            <a:extLst>
+              <a:ext uri="{FF2B5EF4-FFF2-40B4-BE49-F238E27FC236}">
+                <a16:creationId xmlns:a16="http://schemas.microsoft.com/office/drawing/2014/main" id="{5BD6929B-C945-56E0-5E31-5AE98DAC44A5}"/>
+              </a:ext>
+            </a:extLst>
+          </p:cNvPr>
+          <p:cNvSpPr txBox="1"/>
+          <p:nvPr/>
+        </p:nvSpPr>
+        <p:spPr>
+          <a:xfrm>
+            <a:off x="9386047" y="740525"/>
+            <a:ext cx="2615453" cy="461665"/>
+          </a:xfrm>
+          <a:prstGeom prst="rect">
+            <a:avLst/>
+          </a:prstGeom>
+          <a:noFill/>
+        </p:spPr>
+        <p:txBody>
+          <a:bodyPr wrap="square" rtlCol="0">
+            <a:spAutoFit/>
+          </a:bodyPr>
+          <a:lstStyle/>
+          <a:p>
+            <a:r>
+              <a:rPr lang="ko-KR" altLang="en-US" sz="1200" dirty="0"/>
+              <a:t>버튼이 눌렸을 때 모델을 조합해</a:t>
+            </a:r>
+            <a:endParaRPr lang="en-US" altLang="ko-KR" sz="1200" dirty="0"/>
+          </a:p>
+          <a:p>
+            <a:r>
+              <a:rPr lang="ko-KR" altLang="en-US" sz="1200" dirty="0"/>
+              <a:t>데이터 변화와 뷰의 변화</a:t>
+            </a:r>
+            <a:endParaRPr lang="en-US" altLang="ko-KR" sz="1200" dirty="0"/>
+          </a:p>
+        </p:txBody>
+      </p:sp>
+      <p:cxnSp>
+        <p:nvCxnSpPr>
+          <p:cNvPr id="17" name="직선 연결선 16">
+            <a:extLst>
+              <a:ext uri="{FF2B5EF4-FFF2-40B4-BE49-F238E27FC236}">
+                <a16:creationId xmlns:a16="http://schemas.microsoft.com/office/drawing/2014/main" id="{11A0C125-EDE1-41FB-D8F1-C3F12491E894}"/>
+              </a:ext>
+            </a:extLst>
+          </p:cNvPr>
+          <p:cNvCxnSpPr>
+            <a:stCxn id="9" idx="2"/>
+            <a:endCxn id="4" idx="0"/>
+          </p:cNvCxnSpPr>
+          <p:nvPr/>
+        </p:nvCxnSpPr>
+        <p:spPr>
+          <a:xfrm flipH="1">
+            <a:off x="3623738" y="3708270"/>
+            <a:ext cx="940634" cy="268785"/>
+          </a:xfrm>
+          <a:prstGeom prst="line">
+            <a:avLst/>
+          </a:prstGeom>
+        </p:spPr>
+        <p:style>
+          <a:lnRef idx="2">
+            <a:schemeClr val="dk1"/>
+          </a:lnRef>
+          <a:fillRef idx="0">
+            <a:schemeClr val="dk1"/>
+          </a:fillRef>
+          <a:effectRef idx="1">
+            <a:schemeClr val="dk1"/>
+          </a:effectRef>
+          <a:fontRef idx="minor">
+            <a:schemeClr val="tx1"/>
+          </a:fontRef>
+        </p:style>
+      </p:cxnSp>
+      <p:cxnSp>
+        <p:nvCxnSpPr>
+          <p:cNvPr id="20" name="직선 연결선 19">
+            <a:extLst>
+              <a:ext uri="{FF2B5EF4-FFF2-40B4-BE49-F238E27FC236}">
+                <a16:creationId xmlns:a16="http://schemas.microsoft.com/office/drawing/2014/main" id="{7F2B5F21-8662-B1F0-FC22-26D61FED04F0}"/>
+              </a:ext>
+            </a:extLst>
+          </p:cNvPr>
+          <p:cNvCxnSpPr>
+            <a:stCxn id="10" idx="2"/>
+            <a:endCxn id="13" idx="0"/>
+          </p:cNvCxnSpPr>
+          <p:nvPr/>
+        </p:nvCxnSpPr>
+        <p:spPr>
+          <a:xfrm>
+            <a:off x="7824852" y="3708270"/>
+            <a:ext cx="298868" cy="268785"/>
+          </a:xfrm>
+          <a:prstGeom prst="line">
+            <a:avLst/>
+          </a:prstGeom>
+        </p:spPr>
+        <p:style>
+          <a:lnRef idx="2">
+            <a:schemeClr val="dk1"/>
+          </a:lnRef>
+          <a:fillRef idx="0">
+            <a:schemeClr val="dk1"/>
+          </a:fillRef>
+          <a:effectRef idx="1">
+            <a:schemeClr val="dk1"/>
+          </a:effectRef>
+          <a:fontRef idx="minor">
+            <a:schemeClr val="tx1"/>
+          </a:fontRef>
+        </p:style>
+      </p:cxnSp>
+      <p:cxnSp>
+        <p:nvCxnSpPr>
+          <p:cNvPr id="22" name="직선 화살표 연결선 21">
+            <a:extLst>
+              <a:ext uri="{FF2B5EF4-FFF2-40B4-BE49-F238E27FC236}">
+                <a16:creationId xmlns:a16="http://schemas.microsoft.com/office/drawing/2014/main" id="{60E887D8-8156-92B3-4DBC-AE7C13ED3991}"/>
+              </a:ext>
+            </a:extLst>
+          </p:cNvPr>
+          <p:cNvCxnSpPr>
+            <a:stCxn id="4" idx="3"/>
+            <a:endCxn id="13" idx="1"/>
+          </p:cNvCxnSpPr>
+          <p:nvPr/>
+        </p:nvCxnSpPr>
+        <p:spPr>
+          <a:xfrm flipV="1">
+            <a:off x="5814045" y="5094329"/>
+            <a:ext cx="563911" cy="1"/>
+          </a:xfrm>
+          <a:prstGeom prst="straightConnector1">
+            <a:avLst/>
+          </a:prstGeom>
+          <a:ln>
+            <a:headEnd type="triangle"/>
+            <a:tailEnd type="triangle"/>
+          </a:ln>
+        </p:spPr>
+        <p:style>
+          <a:lnRef idx="2">
+            <a:schemeClr val="dk1"/>
+          </a:lnRef>
+          <a:fillRef idx="0">
+            <a:schemeClr val="dk1"/>
+          </a:fillRef>
+          <a:effectRef idx="1">
+            <a:schemeClr val="dk1"/>
+          </a:effectRef>
+          <a:fontRef idx="minor">
+            <a:schemeClr val="tx1"/>
+          </a:fontRef>
+        </p:style>
+      </p:cxnSp>
+    </p:spTree>
+    <p:extLst>
+      <p:ext uri="{BB962C8B-B14F-4D97-AF65-F5344CB8AC3E}">
+        <p14:creationId xmlns:p14="http://schemas.microsoft.com/office/powerpoint/2010/main" val="1201388491"/>
+      </p:ext>
+    </p:extLst>
+  </p:cSld>
+  <p:clrMapOvr>
+    <a:masterClrMapping/>
+  </p:clrMapOvr>
+</p:sld>
+</file>
+
+<file path=ppt/slides/slide4.xml><?xml version="1.0" encoding="utf-8"?>
+<p:sld xmlns:a="http://schemas.openxmlformats.org/drawingml/2006/main" xmlns:r="http://schemas.openxmlformats.org/officeDocument/2006/relationships" xmlns:p="http://schemas.openxmlformats.org/presentationml/2006/main">
+  <p:cSld>
+    <p:spTree>
+      <p:nvGrpSpPr>
+        <p:cNvPr id="1" name="">
+          <a:extLst>
+            <a:ext uri="{FF2B5EF4-FFF2-40B4-BE49-F238E27FC236}">
+              <a16:creationId xmlns:a16="http://schemas.microsoft.com/office/drawing/2014/main" id="{C5A33F5E-BC73-BFDD-3F57-C13B71D47B4E}"/>
+            </a:ext>
+          </a:extLst>
+        </p:cNvPr>
+        <p:cNvGrpSpPr/>
+        <p:nvPr/>
+      </p:nvGrpSpPr>
+      <p:grpSpPr>
+        <a:xfrm>
+          <a:off x="0" y="0"/>
+          <a:ext cx="0" cy="0"/>
+          <a:chOff x="0" y="0"/>
+          <a:chExt cx="0" cy="0"/>
+        </a:xfrm>
+      </p:grpSpPr>
+      <p:sp>
+        <p:nvSpPr>
           <p:cNvPr id="4" name="직사각형 3">
             <a:extLst>
               <a:ext uri="{FF2B5EF4-FFF2-40B4-BE49-F238E27FC236}">
-                <a16:creationId xmlns:a16="http://schemas.microsoft.com/office/drawing/2014/main" id="{5AB86112-F411-0EA1-13F8-09D95C9DF11E}"/>
+                <a16:creationId xmlns:a16="http://schemas.microsoft.com/office/drawing/2014/main" id="{F68CA9BB-CCEB-82C1-CAF1-440975F0D8DF}"/>
               </a:ext>
             </a:extLst>
           </p:cNvPr>
@@ -4445,7 +7608,7 @@
           <p:cNvPr id="7" name="직선 연결선 6">
             <a:extLst>
               <a:ext uri="{FF2B5EF4-FFF2-40B4-BE49-F238E27FC236}">
-                <a16:creationId xmlns:a16="http://schemas.microsoft.com/office/drawing/2014/main" id="{37D27C4D-167E-7D03-7B57-D12D2B1E4EA4}"/>
+                <a16:creationId xmlns:a16="http://schemas.microsoft.com/office/drawing/2014/main" id="{6E208284-7EBC-0A15-DF74-DBD55B5FFB85}"/>
               </a:ext>
             </a:extLst>
           </p:cNvPr>
@@ -4481,7 +7644,7 @@
           <p:cNvPr id="8" name="직사각형 7">
             <a:extLst>
               <a:ext uri="{FF2B5EF4-FFF2-40B4-BE49-F238E27FC236}">
-                <a16:creationId xmlns:a16="http://schemas.microsoft.com/office/drawing/2014/main" id="{C4BC8618-90B2-C59E-0158-E1A5F01D7B6B}"/>
+                <a16:creationId xmlns:a16="http://schemas.microsoft.com/office/drawing/2014/main" id="{F0DD422C-3001-CEB3-B7B3-3D7FCB652DAD}"/>
               </a:ext>
             </a:extLst>
           </p:cNvPr>
@@ -4490,8 +7653,8 @@
         </p:nvSpPr>
         <p:spPr>
           <a:xfrm>
-            <a:off x="3452037" y="180754"/>
-            <a:ext cx="1630325" cy="308344"/>
+            <a:off x="2997215" y="180754"/>
+            <a:ext cx="2085148" cy="308344"/>
           </a:xfrm>
           <a:prstGeom prst="rect">
             <a:avLst/>
@@ -4522,7 +7685,7 @@
                   <a:schemeClr val="accent3"/>
                 </a:solidFill>
               </a:rPr>
-              <a:t>SideInterface</a:t>
+              <a:t>DialogInterface</a:t>
             </a:r>
             <a:endParaRPr lang="ko-KR" altLang="en-US" dirty="0">
               <a:solidFill>
@@ -4537,7 +7700,7 @@
           <p:cNvPr id="9" name="직사각형 8">
             <a:extLst>
               <a:ext uri="{FF2B5EF4-FFF2-40B4-BE49-F238E27FC236}">
-                <a16:creationId xmlns:a16="http://schemas.microsoft.com/office/drawing/2014/main" id="{4A5D0ED2-3E5A-C66F-D6E0-1EC6C6457611}"/>
+                <a16:creationId xmlns:a16="http://schemas.microsoft.com/office/drawing/2014/main" id="{E04DB990-AC12-EE42-8D79-A31656EFEB78}"/>
               </a:ext>
             </a:extLst>
           </p:cNvPr>
@@ -4641,7 +7804,7 @@
           <p:cNvPr id="10" name="직사각형 9">
             <a:extLst>
               <a:ext uri="{FF2B5EF4-FFF2-40B4-BE49-F238E27FC236}">
-                <a16:creationId xmlns:a16="http://schemas.microsoft.com/office/drawing/2014/main" id="{6EA407F7-F291-4F74-47C2-B661E30159E2}"/>
+                <a16:creationId xmlns:a16="http://schemas.microsoft.com/office/drawing/2014/main" id="{1254A6A6-C186-4017-09CA-153AFE6808F2}"/>
               </a:ext>
             </a:extLst>
           </p:cNvPr>
@@ -4800,7 +7963,7 @@
           <p:cNvPr id="11" name="TextBox 10">
             <a:extLst>
               <a:ext uri="{FF2B5EF4-FFF2-40B4-BE49-F238E27FC236}">
-                <a16:creationId xmlns:a16="http://schemas.microsoft.com/office/drawing/2014/main" id="{11D64859-E5C6-313C-4673-013DBD6A56A6}"/>
+                <a16:creationId xmlns:a16="http://schemas.microsoft.com/office/drawing/2014/main" id="{43A6C2DA-5CFA-C79F-ECC5-2375A99DE70D}"/>
               </a:ext>
             </a:extLst>
           </p:cNvPr>
@@ -4842,7 +8005,7 @@
           <p:cNvPr id="13" name="직사각형 12">
             <a:extLst>
               <a:ext uri="{FF2B5EF4-FFF2-40B4-BE49-F238E27FC236}">
-                <a16:creationId xmlns:a16="http://schemas.microsoft.com/office/drawing/2014/main" id="{CFCB3329-5A59-634C-0E5A-BBF1BF12D115}"/>
+                <a16:creationId xmlns:a16="http://schemas.microsoft.com/office/drawing/2014/main" id="{FEC73158-40C4-5079-DE04-B48EEE17E6F1}"/>
               </a:ext>
             </a:extLst>
           </p:cNvPr>
@@ -4898,7 +8061,7 @@
           <p:cNvPr id="14" name="직사각형 13">
             <a:extLst>
               <a:ext uri="{FF2B5EF4-FFF2-40B4-BE49-F238E27FC236}">
-                <a16:creationId xmlns:a16="http://schemas.microsoft.com/office/drawing/2014/main" id="{12126143-35EA-6DEF-4551-6FA57273D62F}"/>
+                <a16:creationId xmlns:a16="http://schemas.microsoft.com/office/drawing/2014/main" id="{D99F7837-5E55-962C-B500-21936DF986B3}"/>
               </a:ext>
             </a:extLst>
           </p:cNvPr>
@@ -5002,7 +8165,7 @@
           <p:cNvPr id="15" name="직사각형 14">
             <a:extLst>
               <a:ext uri="{FF2B5EF4-FFF2-40B4-BE49-F238E27FC236}">
-                <a16:creationId xmlns:a16="http://schemas.microsoft.com/office/drawing/2014/main" id="{FA4A9114-08F7-C98C-7FA0-3312C7953C22}"/>
+                <a16:creationId xmlns:a16="http://schemas.microsoft.com/office/drawing/2014/main" id="{89EC27E7-7395-5F4E-FD14-3CB0835CACAE}"/>
               </a:ext>
             </a:extLst>
           </p:cNvPr>
@@ -5106,7 +8269,7 @@
           <p:cNvPr id="16" name="직사각형 15">
             <a:extLst>
               <a:ext uri="{FF2B5EF4-FFF2-40B4-BE49-F238E27FC236}">
-                <a16:creationId xmlns:a16="http://schemas.microsoft.com/office/drawing/2014/main" id="{D39F3817-C6A6-F589-9346-4FA3C07C7BB3}"/>
+                <a16:creationId xmlns:a16="http://schemas.microsoft.com/office/drawing/2014/main" id="{21B5E5DE-8EA2-4924-0512-0CC5BB61AD9E}"/>
               </a:ext>
             </a:extLst>
           </p:cNvPr>
@@ -5187,922 +8350,6 @@
     </p:spTree>
     <p:extLst>
       <p:ext uri="{BB962C8B-B14F-4D97-AF65-F5344CB8AC3E}">
-        <p14:creationId xmlns:p14="http://schemas.microsoft.com/office/powerpoint/2010/main" val="3952113038"/>
-      </p:ext>
-    </p:extLst>
-  </p:cSld>
-  <p:clrMapOvr>
-    <a:masterClrMapping/>
-  </p:clrMapOvr>
-</p:sld>
-</file>
-
-<file path=ppt/slides/slide3.xml><?xml version="1.0" encoding="utf-8"?>
-<p:sld xmlns:a="http://schemas.openxmlformats.org/drawingml/2006/main" xmlns:r="http://schemas.openxmlformats.org/officeDocument/2006/relationships" xmlns:p="http://schemas.openxmlformats.org/presentationml/2006/main">
-  <p:cSld>
-    <p:spTree>
-      <p:nvGrpSpPr>
-        <p:cNvPr id="1" name="">
-          <a:extLst>
-            <a:ext uri="{FF2B5EF4-FFF2-40B4-BE49-F238E27FC236}">
-              <a16:creationId xmlns:a16="http://schemas.microsoft.com/office/drawing/2014/main" id="{C5A33F5E-BC73-BFDD-3F57-C13B71D47B4E}"/>
-            </a:ext>
-          </a:extLst>
-        </p:cNvPr>
-        <p:cNvGrpSpPr/>
-        <p:nvPr/>
-      </p:nvGrpSpPr>
-      <p:grpSpPr>
-        <a:xfrm>
-          <a:off x="0" y="0"/>
-          <a:ext cx="0" cy="0"/>
-          <a:chOff x="0" y="0"/>
-          <a:chExt cx="0" cy="0"/>
-        </a:xfrm>
-      </p:grpSpPr>
-      <p:sp>
-        <p:nvSpPr>
-          <p:cNvPr id="4" name="직사각형 3">
-            <a:extLst>
-              <a:ext uri="{FF2B5EF4-FFF2-40B4-BE49-F238E27FC236}">
-                <a16:creationId xmlns:a16="http://schemas.microsoft.com/office/drawing/2014/main" id="{F68CA9BB-CCEB-82C1-CAF1-440975F0D8DF}"/>
-              </a:ext>
-            </a:extLst>
-          </p:cNvPr>
-          <p:cNvSpPr/>
-          <p:nvPr/>
-        </p:nvSpPr>
-        <p:spPr>
-          <a:xfrm>
-            <a:off x="595422" y="3302039"/>
-            <a:ext cx="4380615" cy="3205087"/>
-          </a:xfrm>
-          <a:prstGeom prst="rect">
-            <a:avLst/>
-          </a:prstGeom>
-        </p:spPr>
-        <p:style>
-          <a:lnRef idx="2">
-            <a:schemeClr val="accent4"/>
-          </a:lnRef>
-          <a:fillRef idx="1">
-            <a:schemeClr val="lt1"/>
-          </a:fillRef>
-          <a:effectRef idx="0">
-            <a:schemeClr val="accent4"/>
-          </a:effectRef>
-          <a:fontRef idx="minor">
-            <a:schemeClr val="dk1"/>
-          </a:fontRef>
-        </p:style>
-        <p:txBody>
-          <a:bodyPr rtlCol="0" anchor="ctr"/>
-          <a:lstStyle/>
-          <a:p>
-            <a:pPr algn="ctr"/>
-            <a:r>
-              <a:rPr lang="en-US" altLang="ko-KR" dirty="0" err="1">
-                <a:solidFill>
-                  <a:schemeClr val="accent1"/>
-                </a:solidFill>
-              </a:rPr>
-              <a:t>MainPanel</a:t>
-            </a:r>
-            <a:endParaRPr lang="en-US" altLang="ko-KR" dirty="0">
-              <a:solidFill>
-                <a:schemeClr val="accent1"/>
-              </a:solidFill>
-            </a:endParaRPr>
-          </a:p>
-          <a:p>
-            <a:pPr algn="ctr"/>
-            <a:endParaRPr lang="en-US" altLang="ko-KR" dirty="0">
-              <a:solidFill>
-                <a:schemeClr val="accent1"/>
-              </a:solidFill>
-            </a:endParaRPr>
-          </a:p>
-          <a:p>
-            <a:pPr algn="ctr"/>
-            <a:endParaRPr lang="en-US" altLang="ko-KR" dirty="0">
-              <a:solidFill>
-                <a:schemeClr val="accent1"/>
-              </a:solidFill>
-            </a:endParaRPr>
-          </a:p>
-          <a:p>
-            <a:pPr algn="ctr"/>
-            <a:endParaRPr lang="en-US" altLang="ko-KR" dirty="0">
-              <a:solidFill>
-                <a:schemeClr val="accent1"/>
-              </a:solidFill>
-            </a:endParaRPr>
-          </a:p>
-          <a:p>
-            <a:pPr algn="ctr"/>
-            <a:endParaRPr lang="en-US" altLang="ko-KR" dirty="0">
-              <a:solidFill>
-                <a:schemeClr val="accent1"/>
-              </a:solidFill>
-            </a:endParaRPr>
-          </a:p>
-          <a:p>
-            <a:pPr algn="ctr"/>
-            <a:endParaRPr lang="en-US" altLang="ko-KR" dirty="0">
-              <a:solidFill>
-                <a:schemeClr val="accent1"/>
-              </a:solidFill>
-            </a:endParaRPr>
-          </a:p>
-          <a:p>
-            <a:pPr algn="ctr"/>
-            <a:endParaRPr lang="en-US" altLang="ko-KR" dirty="0">
-              <a:solidFill>
-                <a:schemeClr val="accent1"/>
-              </a:solidFill>
-            </a:endParaRPr>
-          </a:p>
-          <a:p>
-            <a:pPr algn="ctr"/>
-            <a:endParaRPr lang="en-US" altLang="ko-KR" dirty="0">
-              <a:solidFill>
-                <a:schemeClr val="accent1"/>
-              </a:solidFill>
-            </a:endParaRPr>
-          </a:p>
-          <a:p>
-            <a:pPr algn="ctr"/>
-            <a:endParaRPr lang="en-US" altLang="ko-KR" dirty="0">
-              <a:solidFill>
-                <a:schemeClr val="accent1"/>
-              </a:solidFill>
-            </a:endParaRPr>
-          </a:p>
-          <a:p>
-            <a:pPr algn="ctr"/>
-            <a:endParaRPr lang="en-US" altLang="ko-KR" dirty="0">
-              <a:solidFill>
-                <a:schemeClr val="accent1"/>
-              </a:solidFill>
-            </a:endParaRPr>
-          </a:p>
-          <a:p>
-            <a:pPr algn="ctr"/>
-            <a:endParaRPr lang="ko-KR" altLang="en-US" dirty="0">
-              <a:solidFill>
-                <a:schemeClr val="accent1"/>
-              </a:solidFill>
-            </a:endParaRPr>
-          </a:p>
-        </p:txBody>
-      </p:sp>
-      <p:cxnSp>
-        <p:nvCxnSpPr>
-          <p:cNvPr id="7" name="직선 연결선 6">
-            <a:extLst>
-              <a:ext uri="{FF2B5EF4-FFF2-40B4-BE49-F238E27FC236}">
-                <a16:creationId xmlns:a16="http://schemas.microsoft.com/office/drawing/2014/main" id="{6E208284-7EBC-0A15-DF74-DBD55B5FFB85}"/>
-              </a:ext>
-            </a:extLst>
-          </p:cNvPr>
-          <p:cNvCxnSpPr/>
-          <p:nvPr/>
-        </p:nvCxnSpPr>
-        <p:spPr>
-          <a:xfrm>
-            <a:off x="8654902" y="0"/>
-            <a:ext cx="0" cy="6858000"/>
-          </a:xfrm>
-          <a:prstGeom prst="line">
-            <a:avLst/>
-          </a:prstGeom>
-        </p:spPr>
-        <p:style>
-          <a:lnRef idx="2">
-            <a:schemeClr val="dk1"/>
-          </a:lnRef>
-          <a:fillRef idx="0">
-            <a:schemeClr val="dk1"/>
-          </a:fillRef>
-          <a:effectRef idx="1">
-            <a:schemeClr val="dk1"/>
-          </a:effectRef>
-          <a:fontRef idx="minor">
-            <a:schemeClr val="tx1"/>
-          </a:fontRef>
-        </p:style>
-      </p:cxnSp>
-      <p:sp>
-        <p:nvSpPr>
-          <p:cNvPr id="8" name="직사각형 7">
-            <a:extLst>
-              <a:ext uri="{FF2B5EF4-FFF2-40B4-BE49-F238E27FC236}">
-                <a16:creationId xmlns:a16="http://schemas.microsoft.com/office/drawing/2014/main" id="{F0DD422C-3001-CEB3-B7B3-3D7FCB652DAD}"/>
-              </a:ext>
-            </a:extLst>
-          </p:cNvPr>
-          <p:cNvSpPr/>
-          <p:nvPr/>
-        </p:nvSpPr>
-        <p:spPr>
-          <a:xfrm>
-            <a:off x="2997215" y="180754"/>
-            <a:ext cx="2085148" cy="308344"/>
-          </a:xfrm>
-          <a:prstGeom prst="rect">
-            <a:avLst/>
-          </a:prstGeom>
-        </p:spPr>
-        <p:style>
-          <a:lnRef idx="2">
-            <a:schemeClr val="accent3"/>
-          </a:lnRef>
-          <a:fillRef idx="1">
-            <a:schemeClr val="lt1"/>
-          </a:fillRef>
-          <a:effectRef idx="0">
-            <a:schemeClr val="accent3"/>
-          </a:effectRef>
-          <a:fontRef idx="minor">
-            <a:schemeClr val="dk1"/>
-          </a:fontRef>
-        </p:style>
-        <p:txBody>
-          <a:bodyPr rtlCol="0" anchor="ctr"/>
-          <a:lstStyle/>
-          <a:p>
-            <a:pPr algn="ctr"/>
-            <a:r>
-              <a:rPr lang="en-US" altLang="ko-KR" dirty="0" err="1">
-                <a:solidFill>
-                  <a:schemeClr val="accent3"/>
-                </a:solidFill>
-              </a:rPr>
-              <a:t>DialogInterface</a:t>
-            </a:r>
-            <a:endParaRPr lang="ko-KR" altLang="en-US" dirty="0">
-              <a:solidFill>
-                <a:schemeClr val="accent3"/>
-              </a:solidFill>
-            </a:endParaRPr>
-          </a:p>
-        </p:txBody>
-      </p:sp>
-      <p:sp>
-        <p:nvSpPr>
-          <p:cNvPr id="9" name="직사각형 8">
-            <a:extLst>
-              <a:ext uri="{FF2B5EF4-FFF2-40B4-BE49-F238E27FC236}">
-                <a16:creationId xmlns:a16="http://schemas.microsoft.com/office/drawing/2014/main" id="{E04DB990-AC12-EE42-8D79-A31656EFEB78}"/>
-              </a:ext>
-            </a:extLst>
-          </p:cNvPr>
-          <p:cNvSpPr/>
-          <p:nvPr/>
-        </p:nvSpPr>
-        <p:spPr>
-          <a:xfrm>
-            <a:off x="1378606" y="620693"/>
-            <a:ext cx="2434853" cy="2161531"/>
-          </a:xfrm>
-          <a:prstGeom prst="rect">
-            <a:avLst/>
-          </a:prstGeom>
-        </p:spPr>
-        <p:style>
-          <a:lnRef idx="2">
-            <a:schemeClr val="accent3"/>
-          </a:lnRef>
-          <a:fillRef idx="1">
-            <a:schemeClr val="lt1"/>
-          </a:fillRef>
-          <a:effectRef idx="0">
-            <a:schemeClr val="accent3"/>
-          </a:effectRef>
-          <a:fontRef idx="minor">
-            <a:schemeClr val="dk1"/>
-          </a:fontRef>
-        </p:style>
-        <p:txBody>
-          <a:bodyPr rtlCol="0" anchor="ctr"/>
-          <a:lstStyle/>
-          <a:p>
-            <a:pPr algn="ctr"/>
-            <a:r>
-              <a:rPr lang="en-US" altLang="ko-KR" dirty="0" err="1">
-                <a:solidFill>
-                  <a:schemeClr val="accent3"/>
-                </a:solidFill>
-              </a:rPr>
-              <a:t>SideViewInterface</a:t>
-            </a:r>
-            <a:endParaRPr lang="en-US" altLang="ko-KR" dirty="0">
-              <a:solidFill>
-                <a:schemeClr val="accent3"/>
-              </a:solidFill>
-            </a:endParaRPr>
-          </a:p>
-          <a:p>
-            <a:pPr algn="ctr"/>
-            <a:endParaRPr lang="en-US" altLang="ko-KR" dirty="0">
-              <a:solidFill>
-                <a:schemeClr val="accent3"/>
-              </a:solidFill>
-            </a:endParaRPr>
-          </a:p>
-          <a:p>
-            <a:pPr algn="ctr"/>
-            <a:r>
-              <a:rPr lang="en-US" altLang="ko-KR" dirty="0" err="1"/>
-              <a:t>showText</a:t>
-            </a:r>
-            <a:r>
-              <a:rPr lang="en-US" altLang="ko-KR" dirty="0"/>
-              <a:t>(String)</a:t>
-            </a:r>
-          </a:p>
-          <a:p>
-            <a:pPr algn="ctr"/>
-            <a:r>
-              <a:rPr lang="en-US" altLang="ko-KR" dirty="0"/>
-              <a:t>cleartext()</a:t>
-            </a:r>
-          </a:p>
-          <a:p>
-            <a:pPr algn="ctr"/>
-            <a:r>
-              <a:rPr lang="en-US" altLang="ko-KR" dirty="0" err="1"/>
-              <a:t>swapText</a:t>
-            </a:r>
-            <a:r>
-              <a:rPr lang="en-US" altLang="ko-KR" dirty="0"/>
-              <a:t>()</a:t>
-            </a:r>
-          </a:p>
-          <a:p>
-            <a:pPr algn="ctr"/>
-            <a:r>
-              <a:rPr lang="en-US" altLang="ko-KR" dirty="0" err="1"/>
-              <a:t>showResult</a:t>
-            </a:r>
-            <a:r>
-              <a:rPr lang="en-US" altLang="ko-KR" dirty="0"/>
-              <a:t>()</a:t>
-            </a:r>
-          </a:p>
-        </p:txBody>
-      </p:sp>
-      <p:sp>
-        <p:nvSpPr>
-          <p:cNvPr id="10" name="직사각형 9">
-            <a:extLst>
-              <a:ext uri="{FF2B5EF4-FFF2-40B4-BE49-F238E27FC236}">
-                <a16:creationId xmlns:a16="http://schemas.microsoft.com/office/drawing/2014/main" id="{1254A6A6-C186-4017-09CA-153AFE6808F2}"/>
-              </a:ext>
-            </a:extLst>
-          </p:cNvPr>
-          <p:cNvSpPr/>
-          <p:nvPr/>
-        </p:nvSpPr>
-        <p:spPr>
-          <a:xfrm>
-            <a:off x="4382302" y="619472"/>
-            <a:ext cx="2931968" cy="2161530"/>
-          </a:xfrm>
-          <a:prstGeom prst="rect">
-            <a:avLst/>
-          </a:prstGeom>
-        </p:spPr>
-        <p:style>
-          <a:lnRef idx="2">
-            <a:schemeClr val="accent3"/>
-          </a:lnRef>
-          <a:fillRef idx="1">
-            <a:schemeClr val="lt1"/>
-          </a:fillRef>
-          <a:effectRef idx="0">
-            <a:schemeClr val="accent3"/>
-          </a:effectRef>
-          <a:fontRef idx="minor">
-            <a:schemeClr val="dk1"/>
-          </a:fontRef>
-        </p:style>
-        <p:txBody>
-          <a:bodyPr rtlCol="0" anchor="ctr"/>
-          <a:lstStyle/>
-          <a:p>
-            <a:pPr algn="ctr"/>
-            <a:r>
-              <a:rPr lang="en-US" altLang="ko-KR" dirty="0" err="1">
-                <a:solidFill>
-                  <a:schemeClr val="accent3"/>
-                </a:solidFill>
-              </a:rPr>
-              <a:t>SidePresenterInterface</a:t>
-            </a:r>
-            <a:endParaRPr lang="en-US" altLang="ko-KR" dirty="0">
-              <a:solidFill>
-                <a:schemeClr val="accent3"/>
-              </a:solidFill>
-            </a:endParaRPr>
-          </a:p>
-          <a:p>
-            <a:pPr algn="ctr"/>
-            <a:endParaRPr lang="en-US" altLang="ko-KR" dirty="0">
-              <a:solidFill>
-                <a:schemeClr val="accent3"/>
-              </a:solidFill>
-            </a:endParaRPr>
-          </a:p>
-          <a:p>
-            <a:pPr algn="ctr"/>
-            <a:r>
-              <a:rPr lang="en-US" altLang="ko-KR" dirty="0" err="1">
-                <a:solidFill>
-                  <a:schemeClr val="tx1"/>
-                </a:solidFill>
-              </a:rPr>
-              <a:t>saveButtonClicked</a:t>
-            </a:r>
-            <a:r>
-              <a:rPr lang="en-US" altLang="ko-KR" dirty="0">
-                <a:solidFill>
-                  <a:schemeClr val="tx1"/>
-                </a:solidFill>
-              </a:rPr>
-              <a:t>()</a:t>
-            </a:r>
-          </a:p>
-          <a:p>
-            <a:pPr algn="ctr"/>
-            <a:r>
-              <a:rPr lang="en-US" altLang="ko-KR" dirty="0" err="1">
-                <a:solidFill>
-                  <a:schemeClr val="tx1"/>
-                </a:solidFill>
-              </a:rPr>
-              <a:t>openButtonClicked</a:t>
-            </a:r>
-            <a:r>
-              <a:rPr lang="en-US" altLang="ko-KR" dirty="0">
-                <a:solidFill>
-                  <a:schemeClr val="tx1"/>
-                </a:solidFill>
-              </a:rPr>
-              <a:t>()</a:t>
-            </a:r>
-          </a:p>
-          <a:p>
-            <a:pPr algn="ctr"/>
-            <a:r>
-              <a:rPr lang="en-US" altLang="ko-KR" dirty="0" err="1">
-                <a:solidFill>
-                  <a:schemeClr val="tx1"/>
-                </a:solidFill>
-              </a:rPr>
-              <a:t>clearButtonClicked</a:t>
-            </a:r>
-            <a:r>
-              <a:rPr lang="en-US" altLang="ko-KR" dirty="0">
-                <a:solidFill>
-                  <a:schemeClr val="tx1"/>
-                </a:solidFill>
-              </a:rPr>
-              <a:t>()</a:t>
-            </a:r>
-          </a:p>
-          <a:p>
-            <a:pPr algn="ctr"/>
-            <a:r>
-              <a:rPr lang="en-US" altLang="ko-KR" dirty="0" err="1">
-                <a:solidFill>
-                  <a:schemeClr val="tx1"/>
-                </a:solidFill>
-              </a:rPr>
-              <a:t>compileButtonClicked</a:t>
-            </a:r>
-            <a:r>
-              <a:rPr lang="en-US" altLang="ko-KR" dirty="0">
-                <a:solidFill>
-                  <a:schemeClr val="tx1"/>
-                </a:solidFill>
-              </a:rPr>
-              <a:t>()</a:t>
-            </a:r>
-          </a:p>
-          <a:p>
-            <a:pPr algn="ctr"/>
-            <a:r>
-              <a:rPr lang="en-US" altLang="ko-KR" dirty="0" err="1">
-                <a:solidFill>
-                  <a:schemeClr val="tx1"/>
-                </a:solidFill>
-              </a:rPr>
-              <a:t>deleteButtonClicked</a:t>
-            </a:r>
-            <a:r>
-              <a:rPr lang="en-US" altLang="ko-KR" dirty="0">
-                <a:solidFill>
-                  <a:schemeClr val="tx1"/>
-                </a:solidFill>
-              </a:rPr>
-              <a:t>()</a:t>
-            </a:r>
-          </a:p>
-        </p:txBody>
-      </p:sp>
-      <p:sp>
-        <p:nvSpPr>
-          <p:cNvPr id="11" name="TextBox 10">
-            <a:extLst>
-              <a:ext uri="{FF2B5EF4-FFF2-40B4-BE49-F238E27FC236}">
-                <a16:creationId xmlns:a16="http://schemas.microsoft.com/office/drawing/2014/main" id="{43A6C2DA-5CFA-C79F-ECC5-2375A99DE70D}"/>
-              </a:ext>
-            </a:extLst>
-          </p:cNvPr>
-          <p:cNvSpPr txBox="1"/>
-          <p:nvPr/>
-        </p:nvSpPr>
-        <p:spPr>
-          <a:xfrm>
-            <a:off x="8654902" y="85060"/>
-            <a:ext cx="3537089" cy="646331"/>
-          </a:xfrm>
-          <a:prstGeom prst="rect">
-            <a:avLst/>
-          </a:prstGeom>
-          <a:noFill/>
-        </p:spPr>
-        <p:txBody>
-          <a:bodyPr wrap="square" rtlCol="0">
-            <a:spAutoFit/>
-          </a:bodyPr>
-          <a:lstStyle/>
-          <a:p>
-            <a:r>
-              <a:rPr lang="ko-KR" altLang="en-US" dirty="0"/>
-              <a:t>버튼 존재</a:t>
-            </a:r>
-            <a:endParaRPr lang="en-US" altLang="ko-KR" dirty="0"/>
-          </a:p>
-          <a:p>
-            <a:r>
-              <a:rPr lang="ko-KR" altLang="en-US" dirty="0"/>
-              <a:t>버튼 눌렀을 때</a:t>
-            </a:r>
-          </a:p>
-        </p:txBody>
-      </p:sp>
-      <p:sp>
-        <p:nvSpPr>
-          <p:cNvPr id="13" name="직사각형 12">
-            <a:extLst>
-              <a:ext uri="{FF2B5EF4-FFF2-40B4-BE49-F238E27FC236}">
-                <a16:creationId xmlns:a16="http://schemas.microsoft.com/office/drawing/2014/main" id="{FEC73158-40C4-5079-DE04-B48EEE17E6F1}"/>
-              </a:ext>
-            </a:extLst>
-          </p:cNvPr>
-          <p:cNvSpPr/>
-          <p:nvPr/>
-        </p:nvSpPr>
-        <p:spPr>
-          <a:xfrm>
-            <a:off x="5598972" y="3303601"/>
-            <a:ext cx="2120264" cy="577285"/>
-          </a:xfrm>
-          <a:prstGeom prst="rect">
-            <a:avLst/>
-          </a:prstGeom>
-        </p:spPr>
-        <p:style>
-          <a:lnRef idx="2">
-            <a:schemeClr val="accent4"/>
-          </a:lnRef>
-          <a:fillRef idx="1">
-            <a:schemeClr val="lt1"/>
-          </a:fillRef>
-          <a:effectRef idx="0">
-            <a:schemeClr val="accent4"/>
-          </a:effectRef>
-          <a:fontRef idx="minor">
-            <a:schemeClr val="dk1"/>
-          </a:fontRef>
-        </p:style>
-        <p:txBody>
-          <a:bodyPr rtlCol="0" anchor="ctr"/>
-          <a:lstStyle/>
-          <a:p>
-            <a:pPr algn="ctr"/>
-            <a:r>
-              <a:rPr lang="en-US" altLang="ko-KR" dirty="0" err="1">
-                <a:solidFill>
-                  <a:schemeClr val="accent1"/>
-                </a:solidFill>
-              </a:rPr>
-              <a:t>MainPresenter</a:t>
-            </a:r>
-            <a:endParaRPr lang="ko-KR" altLang="en-US" dirty="0">
-              <a:solidFill>
-                <a:schemeClr val="accent1"/>
-              </a:solidFill>
-            </a:endParaRPr>
-          </a:p>
-        </p:txBody>
-      </p:sp>
-      <p:sp>
-        <p:nvSpPr>
-          <p:cNvPr id="14" name="직사각형 13">
-            <a:extLst>
-              <a:ext uri="{FF2B5EF4-FFF2-40B4-BE49-F238E27FC236}">
-                <a16:creationId xmlns:a16="http://schemas.microsoft.com/office/drawing/2014/main" id="{D99F7837-5E55-962C-B500-21936DF986B3}"/>
-              </a:ext>
-            </a:extLst>
-          </p:cNvPr>
-          <p:cNvSpPr/>
-          <p:nvPr/>
-        </p:nvSpPr>
-        <p:spPr>
-          <a:xfrm>
-            <a:off x="810222" y="4051006"/>
-            <a:ext cx="1849223" cy="1339702"/>
-          </a:xfrm>
-          <a:prstGeom prst="rect">
-            <a:avLst/>
-          </a:prstGeom>
-        </p:spPr>
-        <p:style>
-          <a:lnRef idx="2">
-            <a:schemeClr val="accent4"/>
-          </a:lnRef>
-          <a:fillRef idx="1">
-            <a:schemeClr val="lt1"/>
-          </a:fillRef>
-          <a:effectRef idx="0">
-            <a:schemeClr val="accent4"/>
-          </a:effectRef>
-          <a:fontRef idx="minor">
-            <a:schemeClr val="dk1"/>
-          </a:fontRef>
-        </p:style>
-        <p:txBody>
-          <a:bodyPr rtlCol="0" anchor="ctr"/>
-          <a:lstStyle/>
-          <a:p>
-            <a:pPr algn="ctr"/>
-            <a:r>
-              <a:rPr lang="en-US" altLang="ko-KR" dirty="0" err="1">
-                <a:solidFill>
-                  <a:schemeClr val="accent1"/>
-                </a:solidFill>
-              </a:rPr>
-              <a:t>TextEditorView</a:t>
-            </a:r>
-            <a:endParaRPr lang="en-US" altLang="ko-KR" dirty="0">
-              <a:solidFill>
-                <a:schemeClr val="accent1"/>
-              </a:solidFill>
-            </a:endParaRPr>
-          </a:p>
-          <a:p>
-            <a:pPr algn="ctr"/>
-            <a:endParaRPr lang="en-US" altLang="ko-KR" dirty="0">
-              <a:solidFill>
-                <a:schemeClr val="accent1"/>
-              </a:solidFill>
-            </a:endParaRPr>
-          </a:p>
-          <a:p>
-            <a:pPr algn="ctr"/>
-            <a:r>
-              <a:rPr lang="en-US" altLang="ko-KR" sz="1400" dirty="0" err="1">
-                <a:solidFill>
-                  <a:schemeClr val="tx1"/>
-                </a:solidFill>
-              </a:rPr>
-              <a:t>textArea</a:t>
-            </a:r>
-            <a:r>
-              <a:rPr lang="en-US" altLang="ko-KR" sz="1400" dirty="0">
-                <a:solidFill>
-                  <a:schemeClr val="tx1"/>
-                </a:solidFill>
-              </a:rPr>
-              <a:t> : </a:t>
-            </a:r>
-            <a:r>
-              <a:rPr lang="en-US" altLang="ko-KR" sz="1400" dirty="0" err="1">
-                <a:solidFill>
-                  <a:schemeClr val="tx1"/>
-                </a:solidFill>
-              </a:rPr>
-              <a:t>JTextArea</a:t>
-            </a:r>
-            <a:endParaRPr lang="en-US" altLang="ko-KR" dirty="0">
-              <a:solidFill>
-                <a:schemeClr val="accent1"/>
-              </a:solidFill>
-            </a:endParaRPr>
-          </a:p>
-          <a:p>
-            <a:pPr algn="ctr"/>
-            <a:endParaRPr lang="ko-KR" altLang="en-US" dirty="0">
-              <a:solidFill>
-                <a:schemeClr val="accent1"/>
-              </a:solidFill>
-            </a:endParaRPr>
-          </a:p>
-        </p:txBody>
-      </p:sp>
-      <p:sp>
-        <p:nvSpPr>
-          <p:cNvPr id="15" name="직사각형 14">
-            <a:extLst>
-              <a:ext uri="{FF2B5EF4-FFF2-40B4-BE49-F238E27FC236}">
-                <a16:creationId xmlns:a16="http://schemas.microsoft.com/office/drawing/2014/main" id="{89EC27E7-7395-5F4E-FD14-3CB0835CACAE}"/>
-              </a:ext>
-            </a:extLst>
-          </p:cNvPr>
-          <p:cNvSpPr/>
-          <p:nvPr/>
-        </p:nvSpPr>
-        <p:spPr>
-          <a:xfrm>
-            <a:off x="2876528" y="4051005"/>
-            <a:ext cx="1910740" cy="1339703"/>
-          </a:xfrm>
-          <a:prstGeom prst="rect">
-            <a:avLst/>
-          </a:prstGeom>
-        </p:spPr>
-        <p:style>
-          <a:lnRef idx="2">
-            <a:schemeClr val="accent4"/>
-          </a:lnRef>
-          <a:fillRef idx="1">
-            <a:schemeClr val="lt1"/>
-          </a:fillRef>
-          <a:effectRef idx="0">
-            <a:schemeClr val="accent4"/>
-          </a:effectRef>
-          <a:fontRef idx="minor">
-            <a:schemeClr val="dk1"/>
-          </a:fontRef>
-        </p:style>
-        <p:txBody>
-          <a:bodyPr rtlCol="0" anchor="ctr"/>
-          <a:lstStyle/>
-          <a:p>
-            <a:pPr algn="ctr"/>
-            <a:r>
-              <a:rPr lang="en-US" altLang="ko-KR" dirty="0" err="1">
-                <a:solidFill>
-                  <a:schemeClr val="accent1"/>
-                </a:solidFill>
-              </a:rPr>
-              <a:t>ResultView</a:t>
-            </a:r>
-            <a:endParaRPr lang="en-US" altLang="ko-KR" dirty="0">
-              <a:solidFill>
-                <a:schemeClr val="accent1"/>
-              </a:solidFill>
-            </a:endParaRPr>
-          </a:p>
-          <a:p>
-            <a:pPr algn="ctr"/>
-            <a:endParaRPr lang="en-US" altLang="ko-KR" dirty="0">
-              <a:solidFill>
-                <a:schemeClr val="accent1"/>
-              </a:solidFill>
-            </a:endParaRPr>
-          </a:p>
-          <a:p>
-            <a:pPr algn="ctr"/>
-            <a:r>
-              <a:rPr lang="en-US" altLang="ko-KR" sz="1400" dirty="0" err="1">
-                <a:solidFill>
-                  <a:schemeClr val="tx1"/>
-                </a:solidFill>
-              </a:rPr>
-              <a:t>resultArea</a:t>
-            </a:r>
-            <a:r>
-              <a:rPr lang="en-US" altLang="ko-KR" sz="1400" dirty="0">
-                <a:solidFill>
-                  <a:schemeClr val="tx1"/>
-                </a:solidFill>
-              </a:rPr>
-              <a:t> : </a:t>
-            </a:r>
-            <a:r>
-              <a:rPr lang="en-US" altLang="ko-KR" sz="1400" dirty="0" err="1">
-                <a:solidFill>
-                  <a:schemeClr val="tx1"/>
-                </a:solidFill>
-              </a:rPr>
-              <a:t>JTextArea</a:t>
-            </a:r>
-            <a:endParaRPr lang="en-US" altLang="ko-KR" sz="1400" dirty="0">
-              <a:solidFill>
-                <a:schemeClr val="tx1"/>
-              </a:solidFill>
-            </a:endParaRPr>
-          </a:p>
-          <a:p>
-            <a:pPr algn="ctr"/>
-            <a:endParaRPr lang="en-US" altLang="ko-KR" dirty="0">
-              <a:solidFill>
-                <a:schemeClr val="accent1"/>
-              </a:solidFill>
-            </a:endParaRPr>
-          </a:p>
-        </p:txBody>
-      </p:sp>
-      <p:sp>
-        <p:nvSpPr>
-          <p:cNvPr id="16" name="직사각형 15">
-            <a:extLst>
-              <a:ext uri="{FF2B5EF4-FFF2-40B4-BE49-F238E27FC236}">
-                <a16:creationId xmlns:a16="http://schemas.microsoft.com/office/drawing/2014/main" id="{21B5E5DE-8EA2-4924-0512-0CC5BB61AD9E}"/>
-              </a:ext>
-            </a:extLst>
-          </p:cNvPr>
-          <p:cNvSpPr/>
-          <p:nvPr/>
-        </p:nvSpPr>
-        <p:spPr>
-          <a:xfrm>
-            <a:off x="810222" y="5518298"/>
-            <a:ext cx="3977046" cy="786809"/>
-          </a:xfrm>
-          <a:prstGeom prst="rect">
-            <a:avLst/>
-          </a:prstGeom>
-        </p:spPr>
-        <p:style>
-          <a:lnRef idx="2">
-            <a:schemeClr val="accent4"/>
-          </a:lnRef>
-          <a:fillRef idx="1">
-            <a:schemeClr val="lt1"/>
-          </a:fillRef>
-          <a:effectRef idx="0">
-            <a:schemeClr val="accent4"/>
-          </a:effectRef>
-          <a:fontRef idx="minor">
-            <a:schemeClr val="dk1"/>
-          </a:fontRef>
-        </p:style>
-        <p:txBody>
-          <a:bodyPr rtlCol="0" anchor="ctr"/>
-          <a:lstStyle/>
-          <a:p>
-            <a:pPr algn="ctr"/>
-            <a:r>
-              <a:rPr lang="en-US" altLang="ko-KR" dirty="0" err="1">
-                <a:solidFill>
-                  <a:schemeClr val="accent1"/>
-                </a:solidFill>
-              </a:rPr>
-              <a:t>ButtonPanelEventListner</a:t>
-            </a:r>
-            <a:endParaRPr lang="en-US" altLang="ko-KR" dirty="0">
-              <a:solidFill>
-                <a:schemeClr val="accent1"/>
-              </a:solidFill>
-            </a:endParaRPr>
-          </a:p>
-          <a:p>
-            <a:pPr algn="ctr"/>
-            <a:endParaRPr lang="en-US" altLang="ko-KR" sz="1000" dirty="0">
-              <a:solidFill>
-                <a:schemeClr val="accent1"/>
-              </a:solidFill>
-            </a:endParaRPr>
-          </a:p>
-          <a:p>
-            <a:pPr algn="ctr"/>
-            <a:r>
-              <a:rPr lang="en-US" altLang="ko-KR" sz="1400" dirty="0" err="1">
-                <a:solidFill>
-                  <a:schemeClr val="tx1"/>
-                </a:solidFill>
-              </a:rPr>
-              <a:t>actionPerformed</a:t>
-            </a:r>
-            <a:r>
-              <a:rPr lang="en-US" altLang="ko-KR" sz="1400" dirty="0">
-                <a:solidFill>
-                  <a:schemeClr val="tx1"/>
-                </a:solidFill>
-              </a:rPr>
-              <a:t>()</a:t>
-            </a:r>
-          </a:p>
-        </p:txBody>
-      </p:sp>
-    </p:spTree>
-    <p:extLst>
-      <p:ext uri="{BB962C8B-B14F-4D97-AF65-F5344CB8AC3E}">
         <p14:creationId xmlns:p14="http://schemas.microsoft.com/office/powerpoint/2010/main" val="139560204"/>
       </p:ext>
     </p:extLst>
@@ -6113,7 +8360,7 @@
 </p:sld>
 </file>
 
-<file path=ppt/slides/slide4.xml><?xml version="1.0" encoding="utf-8"?>
+<file path=ppt/slides/slide5.xml><?xml version="1.0" encoding="utf-8"?>
 <p:sld xmlns:a="http://schemas.openxmlformats.org/drawingml/2006/main" xmlns:r="http://schemas.openxmlformats.org/officeDocument/2006/relationships" xmlns:p="http://schemas.openxmlformats.org/presentationml/2006/main">
   <p:cSld>
     <p:spTree>
@@ -6772,4 +9019,319 @@
     </a:ext>
   </a:extLst>
 </a:theme>
+</file>
+
+<file path=ppt/theme/theme2.xml><?xml version="1.0" encoding="utf-8"?>
+<a:theme xmlns:a="http://schemas.openxmlformats.org/drawingml/2006/main" name="Office 테마">
+  <a:themeElements>
+    <a:clrScheme name="Office">
+      <a:dk1>
+        <a:sysClr val="windowText" lastClr="000000"/>
+      </a:dk1>
+      <a:lt1>
+        <a:sysClr val="window" lastClr="FFFFFF"/>
+      </a:lt1>
+      <a:dk2>
+        <a:srgbClr val="0E2841"/>
+      </a:dk2>
+      <a:lt2>
+        <a:srgbClr val="E8E8E8"/>
+      </a:lt2>
+      <a:accent1>
+        <a:srgbClr val="156082"/>
+      </a:accent1>
+      <a:accent2>
+        <a:srgbClr val="E97132"/>
+      </a:accent2>
+      <a:accent3>
+        <a:srgbClr val="196B24"/>
+      </a:accent3>
+      <a:accent4>
+        <a:srgbClr val="0F9ED5"/>
+      </a:accent4>
+      <a:accent5>
+        <a:srgbClr val="A02B93"/>
+      </a:accent5>
+      <a:accent6>
+        <a:srgbClr val="4EA72E"/>
+      </a:accent6>
+      <a:hlink>
+        <a:srgbClr val="467886"/>
+      </a:hlink>
+      <a:folHlink>
+        <a:srgbClr val="96607D"/>
+      </a:folHlink>
+    </a:clrScheme>
+    <a:fontScheme name="Office">
+      <a:majorFont>
+        <a:latin typeface="맑은 고딕" panose="02110004020202020204"/>
+        <a:ea typeface=""/>
+        <a:cs typeface=""/>
+        <a:font script="Jpan" typeface="游ゴシック Light"/>
+        <a:font script="Hang" typeface="맑은 고딕"/>
+        <a:font script="Hans" typeface="等线 Light"/>
+        <a:font script="Hant" typeface="新細明體"/>
+        <a:font script="Arab" typeface="Times New Roman"/>
+        <a:font script="Hebr" typeface="Times New Roman"/>
+        <a:font script="Thai" typeface="Angsana New"/>
+        <a:font script="Ethi" typeface="Nyala"/>
+        <a:font script="Beng" typeface="Vrinda"/>
+        <a:font script="Gujr" typeface="Shruti"/>
+        <a:font script="Khmr" typeface="MoolBoran"/>
+        <a:font script="Knda" typeface="Tunga"/>
+        <a:font script="Guru" typeface="Raavi"/>
+        <a:font script="Cans" typeface="Euphemia"/>
+        <a:font script="Cher" typeface="Plantagenet Cherokee"/>
+        <a:font script="Yiii" typeface="Microsoft Yi Baiti"/>
+        <a:font script="Tibt" typeface="Microsoft Himalaya"/>
+        <a:font script="Thaa" typeface="MV Boli"/>
+        <a:font script="Deva" typeface="Mangal"/>
+        <a:font script="Telu" typeface="Gautami"/>
+        <a:font script="Taml" typeface="Latha"/>
+        <a:font script="Syrc" typeface="Estrangelo Edessa"/>
+        <a:font script="Orya" typeface="Kalinga"/>
+        <a:font script="Mlym" typeface="Kartika"/>
+        <a:font script="Laoo" typeface="DokChampa"/>
+        <a:font script="Sinh" typeface="Iskoola Pota"/>
+        <a:font script="Mong" typeface="Mongolian Baiti"/>
+        <a:font script="Viet" typeface="Times New Roman"/>
+        <a:font script="Uigh" typeface="Microsoft Uighur"/>
+        <a:font script="Geor" typeface="Sylfaen"/>
+        <a:font script="Armn" typeface="Arial"/>
+        <a:font script="Bugi" typeface="Leelawadee UI"/>
+        <a:font script="Bopo" typeface="Microsoft JhengHei"/>
+        <a:font script="Java" typeface="Javanese Text"/>
+        <a:font script="Lisu" typeface="Segoe UI"/>
+        <a:font script="Mymr" typeface="Myanmar Text"/>
+        <a:font script="Nkoo" typeface="Ebrima"/>
+        <a:font script="Olck" typeface="Nirmala UI"/>
+        <a:font script="Osma" typeface="Ebrima"/>
+        <a:font script="Phag" typeface="Phagspa"/>
+        <a:font script="Syrn" typeface="Estrangelo Edessa"/>
+        <a:font script="Syrj" typeface="Estrangelo Edessa"/>
+        <a:font script="Syre" typeface="Estrangelo Edessa"/>
+        <a:font script="Sora" typeface="Nirmala UI"/>
+        <a:font script="Tale" typeface="Microsoft Tai Le"/>
+        <a:font script="Talu" typeface="Microsoft New Tai Lue"/>
+        <a:font script="Tfng" typeface="Ebrima"/>
+      </a:majorFont>
+      <a:minorFont>
+        <a:latin typeface="맑은 고딕" panose="02110004020202020204"/>
+        <a:ea typeface=""/>
+        <a:cs typeface=""/>
+        <a:font script="Jpan" typeface="游ゴシック"/>
+        <a:font script="Hang" typeface="맑은 고딕"/>
+        <a:font script="Hans" typeface="等线"/>
+        <a:font script="Hant" typeface="新細明體"/>
+        <a:font script="Arab" typeface="Arial"/>
+        <a:font script="Hebr" typeface="Arial"/>
+        <a:font script="Thai" typeface="Cordia New"/>
+        <a:font script="Ethi" typeface="Nyala"/>
+        <a:font script="Beng" typeface="Vrinda"/>
+        <a:font script="Gujr" typeface="Shruti"/>
+        <a:font script="Khmr" typeface="DaunPenh"/>
+        <a:font script="Knda" typeface="Tunga"/>
+        <a:font script="Guru" typeface="Raavi"/>
+        <a:font script="Cans" typeface="Euphemia"/>
+        <a:font script="Cher" typeface="Plantagenet Cherokee"/>
+        <a:font script="Yiii" typeface="Microsoft Yi Baiti"/>
+        <a:font script="Tibt" typeface="Microsoft Himalaya"/>
+        <a:font script="Thaa" typeface="MV Boli"/>
+        <a:font script="Deva" typeface="Mangal"/>
+        <a:font script="Telu" typeface="Gautami"/>
+        <a:font script="Taml" typeface="Latha"/>
+        <a:font script="Syrc" typeface="Estrangelo Edessa"/>
+        <a:font script="Orya" typeface="Kalinga"/>
+        <a:font script="Mlym" typeface="Kartika"/>
+        <a:font script="Laoo" typeface="DokChampa"/>
+        <a:font script="Sinh" typeface="Iskoola Pota"/>
+        <a:font script="Mong" typeface="Mongolian Baiti"/>
+        <a:font script="Viet" typeface="Arial"/>
+        <a:font script="Uigh" typeface="Microsoft Uighur"/>
+        <a:font script="Geor" typeface="Sylfaen"/>
+        <a:font script="Armn" typeface="Arial"/>
+        <a:font script="Bugi" typeface="Leelawadee UI"/>
+        <a:font script="Bopo" typeface="Microsoft JhengHei"/>
+        <a:font script="Java" typeface="Javanese Text"/>
+        <a:font script="Lisu" typeface="Segoe UI"/>
+        <a:font script="Mymr" typeface="Myanmar Text"/>
+        <a:font script="Nkoo" typeface="Ebrima"/>
+        <a:font script="Olck" typeface="Nirmala UI"/>
+        <a:font script="Osma" typeface="Ebrima"/>
+        <a:font script="Phag" typeface="Phagspa"/>
+        <a:font script="Syrn" typeface="Estrangelo Edessa"/>
+        <a:font script="Syrj" typeface="Estrangelo Edessa"/>
+        <a:font script="Syre" typeface="Estrangelo Edessa"/>
+        <a:font script="Sora" typeface="Nirmala UI"/>
+        <a:font script="Tale" typeface="Microsoft Tai Le"/>
+        <a:font script="Talu" typeface="Microsoft New Tai Lue"/>
+        <a:font script="Tfng" typeface="Ebrima"/>
+      </a:minorFont>
+    </a:fontScheme>
+    <a:fmtScheme name="Office">
+      <a:fillStyleLst>
+        <a:solidFill>
+          <a:schemeClr val="phClr"/>
+        </a:solidFill>
+        <a:gradFill rotWithShape="1">
+          <a:gsLst>
+            <a:gs pos="0">
+              <a:schemeClr val="phClr">
+                <a:lumMod val="110000"/>
+                <a:satMod val="105000"/>
+                <a:tint val="67000"/>
+              </a:schemeClr>
+            </a:gs>
+            <a:gs pos="50000">
+              <a:schemeClr val="phClr">
+                <a:lumMod val="105000"/>
+                <a:satMod val="103000"/>
+                <a:tint val="73000"/>
+              </a:schemeClr>
+            </a:gs>
+            <a:gs pos="100000">
+              <a:schemeClr val="phClr">
+                <a:lumMod val="105000"/>
+                <a:satMod val="109000"/>
+                <a:tint val="81000"/>
+              </a:schemeClr>
+            </a:gs>
+          </a:gsLst>
+          <a:lin ang="5400000" scaled="0"/>
+        </a:gradFill>
+        <a:gradFill rotWithShape="1">
+          <a:gsLst>
+            <a:gs pos="0">
+              <a:schemeClr val="phClr">
+                <a:satMod val="103000"/>
+                <a:lumMod val="102000"/>
+                <a:tint val="94000"/>
+              </a:schemeClr>
+            </a:gs>
+            <a:gs pos="50000">
+              <a:schemeClr val="phClr">
+                <a:satMod val="110000"/>
+                <a:lumMod val="100000"/>
+                <a:shade val="100000"/>
+              </a:schemeClr>
+            </a:gs>
+            <a:gs pos="100000">
+              <a:schemeClr val="phClr">
+                <a:lumMod val="99000"/>
+                <a:satMod val="120000"/>
+                <a:shade val="78000"/>
+              </a:schemeClr>
+            </a:gs>
+          </a:gsLst>
+          <a:lin ang="5400000" scaled="0"/>
+        </a:gradFill>
+      </a:fillStyleLst>
+      <a:lnStyleLst>
+        <a:ln w="12700" cap="flat" cmpd="sng" algn="ctr">
+          <a:solidFill>
+            <a:schemeClr val="phClr"/>
+          </a:solidFill>
+          <a:prstDash val="solid"/>
+          <a:miter lim="800000"/>
+        </a:ln>
+        <a:ln w="19050" cap="flat" cmpd="sng" algn="ctr">
+          <a:solidFill>
+            <a:schemeClr val="phClr"/>
+          </a:solidFill>
+          <a:prstDash val="solid"/>
+          <a:miter lim="800000"/>
+        </a:ln>
+        <a:ln w="25400" cap="flat" cmpd="sng" algn="ctr">
+          <a:solidFill>
+            <a:schemeClr val="phClr"/>
+          </a:solidFill>
+          <a:prstDash val="solid"/>
+          <a:miter lim="800000"/>
+        </a:ln>
+      </a:lnStyleLst>
+      <a:effectStyleLst>
+        <a:effectStyle>
+          <a:effectLst/>
+        </a:effectStyle>
+        <a:effectStyle>
+          <a:effectLst/>
+        </a:effectStyle>
+        <a:effectStyle>
+          <a:effectLst>
+            <a:outerShdw blurRad="57150" dist="19050" dir="5400000" algn="ctr" rotWithShape="0">
+              <a:srgbClr val="000000">
+                <a:alpha val="63000"/>
+              </a:srgbClr>
+            </a:outerShdw>
+          </a:effectLst>
+        </a:effectStyle>
+      </a:effectStyleLst>
+      <a:bgFillStyleLst>
+        <a:solidFill>
+          <a:schemeClr val="phClr"/>
+        </a:solidFill>
+        <a:solidFill>
+          <a:schemeClr val="phClr">
+            <a:tint val="95000"/>
+            <a:satMod val="170000"/>
+          </a:schemeClr>
+        </a:solidFill>
+        <a:gradFill rotWithShape="1">
+          <a:gsLst>
+            <a:gs pos="0">
+              <a:schemeClr val="phClr">
+                <a:tint val="93000"/>
+                <a:satMod val="150000"/>
+                <a:shade val="98000"/>
+                <a:lumMod val="102000"/>
+              </a:schemeClr>
+            </a:gs>
+            <a:gs pos="50000">
+              <a:schemeClr val="phClr">
+                <a:tint val="98000"/>
+                <a:satMod val="130000"/>
+                <a:shade val="90000"/>
+                <a:lumMod val="103000"/>
+              </a:schemeClr>
+            </a:gs>
+            <a:gs pos="100000">
+              <a:schemeClr val="phClr">
+                <a:shade val="63000"/>
+                <a:satMod val="120000"/>
+              </a:schemeClr>
+            </a:gs>
+          </a:gsLst>
+          <a:lin ang="5400000" scaled="0"/>
+        </a:gradFill>
+      </a:bgFillStyleLst>
+    </a:fmtScheme>
+  </a:themeElements>
+  <a:objectDefaults>
+    <a:lnDef>
+      <a:spPr/>
+      <a:bodyPr/>
+      <a:lstStyle/>
+      <a:style>
+        <a:lnRef idx="2">
+          <a:schemeClr val="accent1"/>
+        </a:lnRef>
+        <a:fillRef idx="0">
+          <a:schemeClr val="accent1"/>
+        </a:fillRef>
+        <a:effectRef idx="1">
+          <a:schemeClr val="accent1"/>
+        </a:effectRef>
+        <a:fontRef idx="minor">
+          <a:schemeClr val="tx1"/>
+        </a:fontRef>
+      </a:style>
+    </a:lnDef>
+  </a:objectDefaults>
+  <a:extraClrSchemeLst/>
+  <a:extLst>
+    <a:ext uri="{05A4C25C-085E-4340-85A3-A5531E510DB2}">
+      <thm15:themeFamily xmlns:thm15="http://schemas.microsoft.com/office/thememl/2012/main" name="Office Theme" id="{2E142A2C-CD16-42D6-873A-C26D2A0506FA}" vid="{1BDDFF52-6CD6-40A5-AB3C-68EB2F1E4D0A}"/>
+    </a:ext>
+  </a:extLst>
+</a:theme>
 </file>